--- a/slides.pptx
+++ b/slides.pptx
@@ -4,20 +4,33 @@
   <p:sldMasterIdLst>
     <p:sldMasterId id="2147483648" r:id="rId1"/>
   </p:sldMasterIdLst>
+  <p:notesMasterIdLst>
+    <p:notesMasterId r:id="rId25"/>
+  </p:notesMasterIdLst>
   <p:sldIdLst>
     <p:sldId id="256" r:id="rId2"/>
-    <p:sldId id="274" r:id="rId3"/>
-    <p:sldId id="263" r:id="rId4"/>
-    <p:sldId id="272" r:id="rId5"/>
-    <p:sldId id="273" r:id="rId6"/>
-    <p:sldId id="264" r:id="rId7"/>
-    <p:sldId id="268" r:id="rId8"/>
-    <p:sldId id="265" r:id="rId9"/>
-    <p:sldId id="267" r:id="rId10"/>
-    <p:sldId id="271" r:id="rId11"/>
-    <p:sldId id="270" r:id="rId12"/>
-    <p:sldId id="266" r:id="rId13"/>
-    <p:sldId id="269" r:id="rId14"/>
+    <p:sldId id="272" r:id="rId3"/>
+    <p:sldId id="294" r:id="rId4"/>
+    <p:sldId id="296" r:id="rId5"/>
+    <p:sldId id="295" r:id="rId6"/>
+    <p:sldId id="307" r:id="rId7"/>
+    <p:sldId id="276" r:id="rId8"/>
+    <p:sldId id="301" r:id="rId9"/>
+    <p:sldId id="280" r:id="rId10"/>
+    <p:sldId id="306" r:id="rId11"/>
+    <p:sldId id="302" r:id="rId12"/>
+    <p:sldId id="281" r:id="rId13"/>
+    <p:sldId id="305" r:id="rId14"/>
+    <p:sldId id="291" r:id="rId15"/>
+    <p:sldId id="279" r:id="rId16"/>
+    <p:sldId id="309" r:id="rId17"/>
+    <p:sldId id="310" r:id="rId18"/>
+    <p:sldId id="311" r:id="rId19"/>
+    <p:sldId id="290" r:id="rId20"/>
+    <p:sldId id="286" r:id="rId21"/>
+    <p:sldId id="288" r:id="rId22"/>
+    <p:sldId id="289" r:id="rId23"/>
+    <p:sldId id="287" r:id="rId24"/>
   </p:sldIdLst>
   <p:sldSz cx="9144000" cy="6858000" type="screen4x3"/>
   <p:notesSz cx="6858000" cy="9144000"/>
@@ -119,6 +132,440 @@
 </p:presentation>
 </file>
 
+<file path=ppt/notesMasters/notesMaster1.xml><?xml version="1.0" encoding="utf-8"?>
+<p:notesMaster xmlns:a="http://schemas.openxmlformats.org/drawingml/2006/main" xmlns:r="http://schemas.openxmlformats.org/officeDocument/2006/relationships" xmlns:p="http://schemas.openxmlformats.org/presentationml/2006/main">
+  <p:cSld>
+    <p:bg>
+      <p:bgRef idx="1001">
+        <a:schemeClr val="bg1"/>
+      </p:bgRef>
+    </p:bg>
+    <p:spTree>
+      <p:nvGrpSpPr>
+        <p:cNvPr id="1" name=""/>
+        <p:cNvGrpSpPr/>
+        <p:nvPr/>
+      </p:nvGrpSpPr>
+      <p:grpSpPr>
+        <a:xfrm>
+          <a:off x="0" y="0"/>
+          <a:ext cx="0" cy="0"/>
+          <a:chOff x="0" y="0"/>
+          <a:chExt cx="0" cy="0"/>
+        </a:xfrm>
+      </p:grpSpPr>
+      <p:sp>
+        <p:nvSpPr>
+          <p:cNvPr id="2" name="Header Placeholder 1"/>
+          <p:cNvSpPr>
+            <a:spLocks noGrp="1"/>
+          </p:cNvSpPr>
+          <p:nvPr>
+            <p:ph type="hdr" sz="quarter"/>
+          </p:nvPr>
+        </p:nvSpPr>
+        <p:spPr>
+          <a:xfrm>
+            <a:off x="0" y="0"/>
+            <a:ext cx="2971800" cy="457200"/>
+          </a:xfrm>
+          <a:prstGeom prst="rect">
+            <a:avLst/>
+          </a:prstGeom>
+        </p:spPr>
+        <p:txBody>
+          <a:bodyPr vert="horz" lIns="91440" tIns="45720" rIns="91440" bIns="45720" rtlCol="0"/>
+          <a:lstStyle>
+            <a:lvl1pPr algn="l">
+              <a:defRPr sz="1200"/>
+            </a:lvl1pPr>
+          </a:lstStyle>
+          <a:p>
+            <a:endParaRPr lang="en-US"/>
+          </a:p>
+        </p:txBody>
+      </p:sp>
+      <p:sp>
+        <p:nvSpPr>
+          <p:cNvPr id="3" name="Date Placeholder 2"/>
+          <p:cNvSpPr>
+            <a:spLocks noGrp="1"/>
+          </p:cNvSpPr>
+          <p:nvPr>
+            <p:ph type="dt" idx="1"/>
+          </p:nvPr>
+        </p:nvSpPr>
+        <p:spPr>
+          <a:xfrm>
+            <a:off x="3884613" y="0"/>
+            <a:ext cx="2971800" cy="457200"/>
+          </a:xfrm>
+          <a:prstGeom prst="rect">
+            <a:avLst/>
+          </a:prstGeom>
+        </p:spPr>
+        <p:txBody>
+          <a:bodyPr vert="horz" lIns="91440" tIns="45720" rIns="91440" bIns="45720" rtlCol="0"/>
+          <a:lstStyle>
+            <a:lvl1pPr algn="r">
+              <a:defRPr sz="1200"/>
+            </a:lvl1pPr>
+          </a:lstStyle>
+          <a:p>
+            <a:fld id="{64B99218-7DE5-1A47-BBC2-24BF296158C0}" type="datetimeFigureOut">
+              <a:rPr lang="en-US" smtClean="0"/>
+              <a:t>10/18/15</a:t>
+            </a:fld>
+            <a:endParaRPr lang="en-US"/>
+          </a:p>
+        </p:txBody>
+      </p:sp>
+      <p:sp>
+        <p:nvSpPr>
+          <p:cNvPr id="4" name="Slide Image Placeholder 3"/>
+          <p:cNvSpPr>
+            <a:spLocks noGrp="1" noRot="1" noChangeAspect="1"/>
+          </p:cNvSpPr>
+          <p:nvPr>
+            <p:ph type="sldImg" idx="2"/>
+          </p:nvPr>
+        </p:nvSpPr>
+        <p:spPr>
+          <a:xfrm>
+            <a:off x="1143000" y="685800"/>
+            <a:ext cx="4572000" cy="3429000"/>
+          </a:xfrm>
+          <a:prstGeom prst="rect">
+            <a:avLst/>
+          </a:prstGeom>
+          <a:noFill/>
+          <a:ln w="12700">
+            <a:solidFill>
+              <a:prstClr val="black"/>
+            </a:solidFill>
+          </a:ln>
+        </p:spPr>
+        <p:txBody>
+          <a:bodyPr vert="horz" lIns="91440" tIns="45720" rIns="91440" bIns="45720" rtlCol="0" anchor="ctr"/>
+          <a:lstStyle/>
+          <a:p>
+            <a:endParaRPr lang="en-US"/>
+          </a:p>
+        </p:txBody>
+      </p:sp>
+      <p:sp>
+        <p:nvSpPr>
+          <p:cNvPr id="5" name="Notes Placeholder 4"/>
+          <p:cNvSpPr>
+            <a:spLocks noGrp="1"/>
+          </p:cNvSpPr>
+          <p:nvPr>
+            <p:ph type="body" sz="quarter" idx="3"/>
+          </p:nvPr>
+        </p:nvSpPr>
+        <p:spPr>
+          <a:xfrm>
+            <a:off x="685800" y="4343400"/>
+            <a:ext cx="5486400" cy="4114800"/>
+          </a:xfrm>
+          <a:prstGeom prst="rect">
+            <a:avLst/>
+          </a:prstGeom>
+        </p:spPr>
+        <p:txBody>
+          <a:bodyPr vert="horz" lIns="91440" tIns="45720" rIns="91440" bIns="45720" rtlCol="0"/>
+          <a:lstStyle/>
+          <a:p>
+            <a:pPr lvl="0"/>
+            <a:r>
+              <a:rPr lang="en-US" smtClean="0"/>
+              <a:t>Click to edit Master text styles</a:t>
+            </a:r>
+          </a:p>
+          <a:p>
+            <a:pPr lvl="1"/>
+            <a:r>
+              <a:rPr lang="en-US" smtClean="0"/>
+              <a:t>Second level</a:t>
+            </a:r>
+          </a:p>
+          <a:p>
+            <a:pPr lvl="2"/>
+            <a:r>
+              <a:rPr lang="en-US" smtClean="0"/>
+              <a:t>Third level</a:t>
+            </a:r>
+          </a:p>
+          <a:p>
+            <a:pPr lvl="3"/>
+            <a:r>
+              <a:rPr lang="en-US" smtClean="0"/>
+              <a:t>Fourth level</a:t>
+            </a:r>
+          </a:p>
+          <a:p>
+            <a:pPr lvl="4"/>
+            <a:r>
+              <a:rPr lang="en-US" smtClean="0"/>
+              <a:t>Fifth level</a:t>
+            </a:r>
+            <a:endParaRPr lang="en-US"/>
+          </a:p>
+        </p:txBody>
+      </p:sp>
+      <p:sp>
+        <p:nvSpPr>
+          <p:cNvPr id="6" name="Footer Placeholder 5"/>
+          <p:cNvSpPr>
+            <a:spLocks noGrp="1"/>
+          </p:cNvSpPr>
+          <p:nvPr>
+            <p:ph type="ftr" sz="quarter" idx="4"/>
+          </p:nvPr>
+        </p:nvSpPr>
+        <p:spPr>
+          <a:xfrm>
+            <a:off x="0" y="8685213"/>
+            <a:ext cx="2971800" cy="457200"/>
+          </a:xfrm>
+          <a:prstGeom prst="rect">
+            <a:avLst/>
+          </a:prstGeom>
+        </p:spPr>
+        <p:txBody>
+          <a:bodyPr vert="horz" lIns="91440" tIns="45720" rIns="91440" bIns="45720" rtlCol="0" anchor="b"/>
+          <a:lstStyle>
+            <a:lvl1pPr algn="l">
+              <a:defRPr sz="1200"/>
+            </a:lvl1pPr>
+          </a:lstStyle>
+          <a:p>
+            <a:endParaRPr lang="en-US"/>
+          </a:p>
+        </p:txBody>
+      </p:sp>
+      <p:sp>
+        <p:nvSpPr>
+          <p:cNvPr id="7" name="Slide Number Placeholder 6"/>
+          <p:cNvSpPr>
+            <a:spLocks noGrp="1"/>
+          </p:cNvSpPr>
+          <p:nvPr>
+            <p:ph type="sldNum" sz="quarter" idx="5"/>
+          </p:nvPr>
+        </p:nvSpPr>
+        <p:spPr>
+          <a:xfrm>
+            <a:off x="3884613" y="8685213"/>
+            <a:ext cx="2971800" cy="457200"/>
+          </a:xfrm>
+          <a:prstGeom prst="rect">
+            <a:avLst/>
+          </a:prstGeom>
+        </p:spPr>
+        <p:txBody>
+          <a:bodyPr vert="horz" lIns="91440" tIns="45720" rIns="91440" bIns="45720" rtlCol="0" anchor="b"/>
+          <a:lstStyle>
+            <a:lvl1pPr algn="r">
+              <a:defRPr sz="1200"/>
+            </a:lvl1pPr>
+          </a:lstStyle>
+          <a:p>
+            <a:fld id="{0E3C2598-9522-744F-825F-5E04BF3995A9}" type="slidenum">
+              <a:rPr lang="en-US" smtClean="0"/>
+              <a:t>‹#›</a:t>
+            </a:fld>
+            <a:endParaRPr lang="en-US"/>
+          </a:p>
+        </p:txBody>
+      </p:sp>
+    </p:spTree>
+    <p:extLst>
+      <p:ext uri="{BB962C8B-B14F-4D97-AF65-F5344CB8AC3E}">
+        <p14:creationId xmlns:p14="http://schemas.microsoft.com/office/powerpoint/2010/main" val="2855128287"/>
+      </p:ext>
+    </p:extLst>
+  </p:cSld>
+  <p:clrMap bg1="lt1" tx1="dk1" bg2="lt2" tx2="dk2" accent1="accent1" accent2="accent2" accent3="accent3" accent4="accent4" accent5="accent5" accent6="accent6" hlink="hlink" folHlink="folHlink"/>
+  <p:notesStyle>
+    <a:lvl1pPr marL="0" algn="l" defTabSz="457200" rtl="0" eaLnBrk="1" latinLnBrk="0" hangingPunct="1">
+      <a:defRPr sz="1200" kern="1200">
+        <a:solidFill>
+          <a:schemeClr val="tx1"/>
+        </a:solidFill>
+        <a:latin typeface="+mn-lt"/>
+        <a:ea typeface="+mn-ea"/>
+        <a:cs typeface="+mn-cs"/>
+      </a:defRPr>
+    </a:lvl1pPr>
+    <a:lvl2pPr marL="457200" algn="l" defTabSz="457200" rtl="0" eaLnBrk="1" latinLnBrk="0" hangingPunct="1">
+      <a:defRPr sz="1200" kern="1200">
+        <a:solidFill>
+          <a:schemeClr val="tx1"/>
+        </a:solidFill>
+        <a:latin typeface="+mn-lt"/>
+        <a:ea typeface="+mn-ea"/>
+        <a:cs typeface="+mn-cs"/>
+      </a:defRPr>
+    </a:lvl2pPr>
+    <a:lvl3pPr marL="914400" algn="l" defTabSz="457200" rtl="0" eaLnBrk="1" latinLnBrk="0" hangingPunct="1">
+      <a:defRPr sz="1200" kern="1200">
+        <a:solidFill>
+          <a:schemeClr val="tx1"/>
+        </a:solidFill>
+        <a:latin typeface="+mn-lt"/>
+        <a:ea typeface="+mn-ea"/>
+        <a:cs typeface="+mn-cs"/>
+      </a:defRPr>
+    </a:lvl3pPr>
+    <a:lvl4pPr marL="1371600" algn="l" defTabSz="457200" rtl="0" eaLnBrk="1" latinLnBrk="0" hangingPunct="1">
+      <a:defRPr sz="1200" kern="1200">
+        <a:solidFill>
+          <a:schemeClr val="tx1"/>
+        </a:solidFill>
+        <a:latin typeface="+mn-lt"/>
+        <a:ea typeface="+mn-ea"/>
+        <a:cs typeface="+mn-cs"/>
+      </a:defRPr>
+    </a:lvl4pPr>
+    <a:lvl5pPr marL="1828800" algn="l" defTabSz="457200" rtl="0" eaLnBrk="1" latinLnBrk="0" hangingPunct="1">
+      <a:defRPr sz="1200" kern="1200">
+        <a:solidFill>
+          <a:schemeClr val="tx1"/>
+        </a:solidFill>
+        <a:latin typeface="+mn-lt"/>
+        <a:ea typeface="+mn-ea"/>
+        <a:cs typeface="+mn-cs"/>
+      </a:defRPr>
+    </a:lvl5pPr>
+    <a:lvl6pPr marL="2286000" algn="l" defTabSz="457200" rtl="0" eaLnBrk="1" latinLnBrk="0" hangingPunct="1">
+      <a:defRPr sz="1200" kern="1200">
+        <a:solidFill>
+          <a:schemeClr val="tx1"/>
+        </a:solidFill>
+        <a:latin typeface="+mn-lt"/>
+        <a:ea typeface="+mn-ea"/>
+        <a:cs typeface="+mn-cs"/>
+      </a:defRPr>
+    </a:lvl6pPr>
+    <a:lvl7pPr marL="2743200" algn="l" defTabSz="457200" rtl="0" eaLnBrk="1" latinLnBrk="0" hangingPunct="1">
+      <a:defRPr sz="1200" kern="1200">
+        <a:solidFill>
+          <a:schemeClr val="tx1"/>
+        </a:solidFill>
+        <a:latin typeface="+mn-lt"/>
+        <a:ea typeface="+mn-ea"/>
+        <a:cs typeface="+mn-cs"/>
+      </a:defRPr>
+    </a:lvl7pPr>
+    <a:lvl8pPr marL="3200400" algn="l" defTabSz="457200" rtl="0" eaLnBrk="1" latinLnBrk="0" hangingPunct="1">
+      <a:defRPr sz="1200" kern="1200">
+        <a:solidFill>
+          <a:schemeClr val="tx1"/>
+        </a:solidFill>
+        <a:latin typeface="+mn-lt"/>
+        <a:ea typeface="+mn-ea"/>
+        <a:cs typeface="+mn-cs"/>
+      </a:defRPr>
+    </a:lvl8pPr>
+    <a:lvl9pPr marL="3657600" algn="l" defTabSz="457200" rtl="0" eaLnBrk="1" latinLnBrk="0" hangingPunct="1">
+      <a:defRPr sz="1200" kern="1200">
+        <a:solidFill>
+          <a:schemeClr val="tx1"/>
+        </a:solidFill>
+        <a:latin typeface="+mn-lt"/>
+        <a:ea typeface="+mn-ea"/>
+        <a:cs typeface="+mn-cs"/>
+      </a:defRPr>
+    </a:lvl9pPr>
+  </p:notesStyle>
+</p:notesMaster>
+</file>
+
+<file path=ppt/notesSlides/notesSlide1.xml><?xml version="1.0" encoding="utf-8"?>
+<p:notes xmlns:a="http://schemas.openxmlformats.org/drawingml/2006/main" xmlns:r="http://schemas.openxmlformats.org/officeDocument/2006/relationships" xmlns:p="http://schemas.openxmlformats.org/presentationml/2006/main">
+  <p:cSld>
+    <p:spTree>
+      <p:nvGrpSpPr>
+        <p:cNvPr id="1" name=""/>
+        <p:cNvGrpSpPr/>
+        <p:nvPr/>
+      </p:nvGrpSpPr>
+      <p:grpSpPr>
+        <a:xfrm>
+          <a:off x="0" y="0"/>
+          <a:ext cx="0" cy="0"/>
+          <a:chOff x="0" y="0"/>
+          <a:chExt cx="0" cy="0"/>
+        </a:xfrm>
+      </p:grpSpPr>
+      <p:sp>
+        <p:nvSpPr>
+          <p:cNvPr id="2" name="Slide Image Placeholder 1"/>
+          <p:cNvSpPr>
+            <a:spLocks noGrp="1" noRot="1" noChangeAspect="1"/>
+          </p:cNvSpPr>
+          <p:nvPr>
+            <p:ph type="sldImg"/>
+          </p:nvPr>
+        </p:nvSpPr>
+        <p:spPr/>
+      </p:sp>
+      <p:sp>
+        <p:nvSpPr>
+          <p:cNvPr id="3" name="Notes Placeholder 2"/>
+          <p:cNvSpPr>
+            <a:spLocks noGrp="1"/>
+          </p:cNvSpPr>
+          <p:nvPr>
+            <p:ph type="body" idx="1"/>
+          </p:nvPr>
+        </p:nvSpPr>
+        <p:spPr/>
+        <p:txBody>
+          <a:bodyPr/>
+          <a:lstStyle/>
+          <a:p>
+            <a:endParaRPr lang="en-US" dirty="0"/>
+          </a:p>
+        </p:txBody>
+      </p:sp>
+      <p:sp>
+        <p:nvSpPr>
+          <p:cNvPr id="4" name="Slide Number Placeholder 3"/>
+          <p:cNvSpPr>
+            <a:spLocks noGrp="1"/>
+          </p:cNvSpPr>
+          <p:nvPr>
+            <p:ph type="sldNum" sz="quarter" idx="10"/>
+          </p:nvPr>
+        </p:nvSpPr>
+        <p:spPr/>
+        <p:txBody>
+          <a:bodyPr/>
+          <a:lstStyle/>
+          <a:p>
+            <a:fld id="{0E3C2598-9522-744F-825F-5E04BF3995A9}" type="slidenum">
+              <a:rPr lang="en-US" smtClean="0"/>
+              <a:t>3</a:t>
+            </a:fld>
+            <a:endParaRPr lang="en-US"/>
+          </a:p>
+        </p:txBody>
+      </p:sp>
+    </p:spTree>
+    <p:extLst>
+      <p:ext uri="{BB962C8B-B14F-4D97-AF65-F5344CB8AC3E}">
+        <p14:creationId xmlns:p14="http://schemas.microsoft.com/office/powerpoint/2010/main" val="3744482159"/>
+      </p:ext>
+    </p:extLst>
+  </p:cSld>
+  <p:clrMapOvr>
+    <a:masterClrMapping/>
+  </p:clrMapOvr>
+</p:notes>
+</file>
+
 <file path=ppt/slideLayouts/slideLayout1.xml><?xml version="1.0" encoding="utf-8"?>
 <p:sldLayout xmlns:a="http://schemas.openxmlformats.org/drawingml/2006/main" xmlns:r="http://schemas.openxmlformats.org/officeDocument/2006/relationships" xmlns:p="http://schemas.openxmlformats.org/presentationml/2006/main" type="title" preserve="1">
   <p:cSld name="Title Slide">
@@ -300,7 +747,7 @@
           <a:p>
             <a:fld id="{2E7BBB1C-3F92-0146-807E-ECBB444D79E8}" type="datetimeFigureOut">
               <a:rPr lang="en-US" smtClean="0"/>
-              <a:t>10/6/15</a:t>
+              <a:t>10/18/15</a:t>
             </a:fld>
             <a:endParaRPr lang="en-US"/>
           </a:p>
@@ -470,7 +917,7 @@
           <a:p>
             <a:fld id="{2E7BBB1C-3F92-0146-807E-ECBB444D79E8}" type="datetimeFigureOut">
               <a:rPr lang="en-US" smtClean="0"/>
-              <a:t>10/6/15</a:t>
+              <a:t>10/18/15</a:t>
             </a:fld>
             <a:endParaRPr lang="en-US"/>
           </a:p>
@@ -650,7 +1097,7 @@
           <a:p>
             <a:fld id="{2E7BBB1C-3F92-0146-807E-ECBB444D79E8}" type="datetimeFigureOut">
               <a:rPr lang="en-US" smtClean="0"/>
-              <a:t>10/6/15</a:t>
+              <a:t>10/18/15</a:t>
             </a:fld>
             <a:endParaRPr lang="en-US"/>
           </a:p>
@@ -820,7 +1267,7 @@
           <a:p>
             <a:fld id="{2E7BBB1C-3F92-0146-807E-ECBB444D79E8}" type="datetimeFigureOut">
               <a:rPr lang="en-US" smtClean="0"/>
-              <a:t>10/6/15</a:t>
+              <a:t>10/18/15</a:t>
             </a:fld>
             <a:endParaRPr lang="en-US"/>
           </a:p>
@@ -1066,7 +1513,7 @@
           <a:p>
             <a:fld id="{2E7BBB1C-3F92-0146-807E-ECBB444D79E8}" type="datetimeFigureOut">
               <a:rPr lang="en-US" smtClean="0"/>
-              <a:t>10/6/15</a:t>
+              <a:t>10/18/15</a:t>
             </a:fld>
             <a:endParaRPr lang="en-US"/>
           </a:p>
@@ -1354,7 +1801,7 @@
           <a:p>
             <a:fld id="{2E7BBB1C-3F92-0146-807E-ECBB444D79E8}" type="datetimeFigureOut">
               <a:rPr lang="en-US" smtClean="0"/>
-              <a:t>10/6/15</a:t>
+              <a:t>10/18/15</a:t>
             </a:fld>
             <a:endParaRPr lang="en-US"/>
           </a:p>
@@ -1776,7 +2223,7 @@
           <a:p>
             <a:fld id="{2E7BBB1C-3F92-0146-807E-ECBB444D79E8}" type="datetimeFigureOut">
               <a:rPr lang="en-US" smtClean="0"/>
-              <a:t>10/6/15</a:t>
+              <a:t>10/18/15</a:t>
             </a:fld>
             <a:endParaRPr lang="en-US"/>
           </a:p>
@@ -1894,7 +2341,7 @@
           <a:p>
             <a:fld id="{2E7BBB1C-3F92-0146-807E-ECBB444D79E8}" type="datetimeFigureOut">
               <a:rPr lang="en-US" smtClean="0"/>
-              <a:t>10/6/15</a:t>
+              <a:t>10/18/15</a:t>
             </a:fld>
             <a:endParaRPr lang="en-US"/>
           </a:p>
@@ -1989,7 +2436,7 @@
           <a:p>
             <a:fld id="{2E7BBB1C-3F92-0146-807E-ECBB444D79E8}" type="datetimeFigureOut">
               <a:rPr lang="en-US" smtClean="0"/>
-              <a:t>10/6/15</a:t>
+              <a:t>10/18/15</a:t>
             </a:fld>
             <a:endParaRPr lang="en-US"/>
           </a:p>
@@ -2266,7 +2713,7 @@
           <a:p>
             <a:fld id="{2E7BBB1C-3F92-0146-807E-ECBB444D79E8}" type="datetimeFigureOut">
               <a:rPr lang="en-US" smtClean="0"/>
-              <a:t>10/6/15</a:t>
+              <a:t>10/18/15</a:t>
             </a:fld>
             <a:endParaRPr lang="en-US"/>
           </a:p>
@@ -2519,7 +2966,7 @@
           <a:p>
             <a:fld id="{2E7BBB1C-3F92-0146-807E-ECBB444D79E8}" type="datetimeFigureOut">
               <a:rPr lang="en-US" smtClean="0"/>
-              <a:t>10/6/15</a:t>
+              <a:t>10/18/15</a:t>
             </a:fld>
             <a:endParaRPr lang="en-US"/>
           </a:p>
@@ -2737,7 +3184,7 @@
           <a:p>
             <a:fld id="{2E7BBB1C-3F92-0146-807E-ECBB444D79E8}" type="datetimeFigureOut">
               <a:rPr lang="en-US" smtClean="0"/>
-              <a:t>10/6/15</a:t>
+              <a:t>10/18/15</a:t>
             </a:fld>
             <a:endParaRPr lang="en-US"/>
           </a:p>
@@ -3160,11 +3607,13 @@
         <p:spPr>
           <a:xfrm>
             <a:off x="685800" y="3886200"/>
-            <a:ext cx="7772400" cy="1752600"/>
-          </a:xfrm>
-        </p:spPr>
-        <p:txBody>
-          <a:bodyPr/>
+            <a:ext cx="7274708" cy="2649162"/>
+          </a:xfrm>
+        </p:spPr>
+        <p:txBody>
+          <a:bodyPr>
+            <a:normAutofit/>
+          </a:bodyPr>
           <a:lstStyle/>
           <a:p>
             <a:pPr algn="l"/>
@@ -3173,9 +3622,49 @@
                 <a:latin typeface="Helvetica"/>
                 <a:cs typeface="Helvetica"/>
               </a:rPr>
-              <a:t>An exploration of customer feedback through Natural Language Processing</a:t>
-            </a:r>
+              <a:t>An exploration of customer feedback through Natural Language </a:t>
+            </a:r>
+            <a:r>
+              <a:rPr lang="en-US" dirty="0" smtClean="0">
+                <a:latin typeface="Helvetica"/>
+                <a:cs typeface="Helvetica"/>
+              </a:rPr>
+              <a:t>Processing.</a:t>
+            </a:r>
+          </a:p>
+          <a:p>
+            <a:pPr algn="l"/>
             <a:endParaRPr lang="en-US" dirty="0">
+              <a:latin typeface="Helvetica"/>
+              <a:cs typeface="Helvetica"/>
+            </a:endParaRPr>
+          </a:p>
+          <a:p>
+            <a:pPr algn="l"/>
+            <a:r>
+              <a:rPr lang="en-US" sz="1800" dirty="0" smtClean="0">
+                <a:solidFill>
+                  <a:schemeClr val="tx1"/>
+                </a:solidFill>
+                <a:latin typeface="Helvetica"/>
+                <a:cs typeface="Helvetica"/>
+              </a:rPr>
+              <a:t>By @</a:t>
+            </a:r>
+            <a:r>
+              <a:rPr lang="en-US" sz="1800" dirty="0" err="1" smtClean="0">
+                <a:solidFill>
+                  <a:schemeClr val="tx1"/>
+                </a:solidFill>
+                <a:latin typeface="Helvetica"/>
+                <a:cs typeface="Helvetica"/>
+              </a:rPr>
+              <a:t>josiahjdavis</a:t>
+            </a:r>
+            <a:endParaRPr lang="en-US" sz="1800" dirty="0">
+              <a:solidFill>
+                <a:schemeClr val="tx1"/>
+              </a:solidFill>
               <a:latin typeface="Helvetica"/>
               <a:cs typeface="Helvetica"/>
             </a:endParaRPr>
@@ -3221,49 +3710,156 @@
       </p:grpSpPr>
       <p:sp>
         <p:nvSpPr>
-          <p:cNvPr id="4" name="Subtitle 3"/>
-          <p:cNvSpPr>
-            <a:spLocks noGrp="1"/>
-          </p:cNvSpPr>
-          <p:nvPr>
-            <p:ph type="subTitle" idx="1"/>
-          </p:nvPr>
-        </p:nvSpPr>
-        <p:spPr/>
+          <p:cNvPr id="2" name="Title 1"/>
+          <p:cNvSpPr>
+            <a:spLocks noGrp="1"/>
+          </p:cNvSpPr>
+          <p:nvPr>
+            <p:ph type="ctrTitle"/>
+          </p:nvPr>
+        </p:nvSpPr>
+        <p:spPr>
+          <a:xfrm>
+            <a:off x="685800" y="850188"/>
+            <a:ext cx="7772400" cy="5210055"/>
+          </a:xfrm>
+        </p:spPr>
         <p:txBody>
           <a:bodyPr>
-            <a:normAutofit fontScale="70000" lnSpcReduction="20000"/>
+            <a:normAutofit/>
           </a:bodyPr>
           <a:lstStyle/>
           <a:p>
             <a:pPr algn="l"/>
             <a:r>
-              <a:rPr lang="en-US" dirty="0" smtClean="0"/>
-              <a:t>Chart Idea: Scatter Grid of Dictionary and Ratings</a:t>
-            </a:r>
-          </a:p>
-          <a:p>
-            <a:pPr algn="l"/>
-            <a:endParaRPr lang="en-US" dirty="0" smtClean="0"/>
-          </a:p>
-          <a:p>
-            <a:pPr algn="l"/>
-            <a:r>
-              <a:rPr lang="en-US" dirty="0" smtClean="0"/>
-              <a:t>Usage: Understand ratings associated with </a:t>
-            </a:r>
-            <a:r>
-              <a:rPr lang="en-US" dirty="0" smtClean="0"/>
-              <a:t>customer service, coffee, and atmosphere</a:t>
-            </a:r>
-            <a:endParaRPr lang="en-US" dirty="0" smtClean="0"/>
+              <a:rPr lang="en-US" sz="4000" b="1" dirty="0" smtClean="0">
+                <a:solidFill>
+                  <a:srgbClr val="FF0000"/>
+                </a:solidFill>
+                <a:latin typeface="Helvetica"/>
+                <a:cs typeface="Helvetica"/>
+              </a:rPr>
+              <a:t>Challenge</a:t>
+            </a:r>
+            <a:r>
+              <a:rPr lang="en-US" sz="2800" dirty="0" smtClean="0">
+                <a:solidFill>
+                  <a:srgbClr val="FF0000"/>
+                </a:solidFill>
+                <a:latin typeface="Helvetica"/>
+                <a:cs typeface="Helvetica"/>
+              </a:rPr>
+              <a:t/>
+            </a:r>
+            <a:br>
+              <a:rPr lang="en-US" sz="2800" dirty="0" smtClean="0">
+                <a:solidFill>
+                  <a:srgbClr val="FF0000"/>
+                </a:solidFill>
+                <a:latin typeface="Helvetica"/>
+                <a:cs typeface="Helvetica"/>
+              </a:rPr>
+            </a:br>
+            <a:r>
+              <a:rPr lang="en-US" sz="2800" dirty="0" smtClean="0">
+                <a:latin typeface="Helvetica"/>
+                <a:cs typeface="Helvetica"/>
+              </a:rPr>
+              <a:t>Written text is fraught with misspellings, and full of synonyms (e.g., employee, associate).</a:t>
+            </a:r>
+            <a:br>
+              <a:rPr lang="en-US" sz="2800" dirty="0" smtClean="0">
+                <a:latin typeface="Helvetica"/>
+                <a:cs typeface="Helvetica"/>
+              </a:rPr>
+            </a:br>
+            <a:r>
+              <a:rPr lang="en-US" sz="2800" dirty="0" smtClean="0">
+                <a:latin typeface="Helvetica"/>
+                <a:cs typeface="Helvetica"/>
+              </a:rPr>
+              <a:t> </a:t>
+            </a:r>
+            <a:r>
+              <a:rPr lang="en-US" sz="2800" dirty="0">
+                <a:latin typeface="Helvetica"/>
+                <a:cs typeface="Helvetica"/>
+              </a:rPr>
+              <a:t/>
+            </a:r>
+            <a:br>
+              <a:rPr lang="en-US" sz="2800" dirty="0">
+                <a:latin typeface="Helvetica"/>
+                <a:cs typeface="Helvetica"/>
+              </a:rPr>
+            </a:br>
+            <a:r>
+              <a:rPr lang="en-US" sz="2800" dirty="0" smtClean="0">
+                <a:latin typeface="Helvetica"/>
+                <a:cs typeface="Helvetica"/>
+              </a:rPr>
+              <a:t/>
+            </a:r>
+            <a:br>
+              <a:rPr lang="en-US" sz="2800" dirty="0" smtClean="0">
+                <a:latin typeface="Helvetica"/>
+                <a:cs typeface="Helvetica"/>
+              </a:rPr>
+            </a:br>
+            <a:r>
+              <a:rPr lang="en-US" sz="2800" dirty="0" smtClean="0">
+                <a:latin typeface="Helvetica"/>
+                <a:cs typeface="Helvetica"/>
+              </a:rPr>
+              <a:t/>
+            </a:r>
+            <a:br>
+              <a:rPr lang="en-US" sz="2800" dirty="0" smtClean="0">
+                <a:latin typeface="Helvetica"/>
+                <a:cs typeface="Helvetica"/>
+              </a:rPr>
+            </a:br>
+            <a:r>
+              <a:rPr lang="en-US" sz="4000" b="1" dirty="0" smtClean="0">
+                <a:solidFill>
+                  <a:srgbClr val="008000"/>
+                </a:solidFill>
+                <a:latin typeface="Helvetica"/>
+                <a:cs typeface="Helvetica"/>
+              </a:rPr>
+              <a:t>Insight</a:t>
+            </a:r>
+            <a:r>
+              <a:rPr lang="en-US" sz="2800" b="1" dirty="0" smtClean="0">
+                <a:solidFill>
+                  <a:srgbClr val="008000"/>
+                </a:solidFill>
+                <a:latin typeface="Helvetica"/>
+                <a:cs typeface="Helvetica"/>
+              </a:rPr>
+              <a:t/>
+            </a:r>
+            <a:br>
+              <a:rPr lang="en-US" sz="2800" b="1" dirty="0" smtClean="0">
+                <a:solidFill>
+                  <a:srgbClr val="008000"/>
+                </a:solidFill>
+                <a:latin typeface="Helvetica"/>
+                <a:cs typeface="Helvetica"/>
+              </a:rPr>
+            </a:br>
+            <a:r>
+              <a:rPr lang="en-US" sz="2800" dirty="0" smtClean="0"/>
+              <a:t>Using a dictionary of word patterns to define terms provides greater flexibility than mere tokenization.</a:t>
+            </a:r>
+            <a:endParaRPr lang="en-US" sz="2800" dirty="0"/>
           </a:p>
         </p:txBody>
       </p:sp>
     </p:spTree>
     <p:extLst>
       <p:ext uri="{BB962C8B-B14F-4D97-AF65-F5344CB8AC3E}">
-        <p14:creationId xmlns:p14="http://schemas.microsoft.com/office/powerpoint/2010/main" val="3169526800"/>
+        <p14:creationId xmlns:p14="http://schemas.microsoft.com/office/powerpoint/2010/main" val="2738812433"/>
       </p:ext>
     </p:extLst>
   </p:cSld>
@@ -3299,57 +3895,589 @@
       </p:grpSpPr>
       <p:sp>
         <p:nvSpPr>
-          <p:cNvPr id="4" name="Subtitle 3"/>
-          <p:cNvSpPr>
-            <a:spLocks noGrp="1"/>
-          </p:cNvSpPr>
-          <p:nvPr>
-            <p:ph type="subTitle" idx="1"/>
-          </p:nvPr>
-        </p:nvSpPr>
-        <p:spPr/>
-        <p:txBody>
-          <a:bodyPr>
-            <a:normAutofit fontScale="70000" lnSpcReduction="20000"/>
+          <p:cNvPr id="6" name="Rectangle 5"/>
+          <p:cNvSpPr/>
+          <p:nvPr/>
+        </p:nvSpPr>
+        <p:spPr>
+          <a:xfrm>
+            <a:off x="7301498" y="6704"/>
+            <a:ext cx="1842502" cy="6851296"/>
+          </a:xfrm>
+          <a:prstGeom prst="rect">
+            <a:avLst/>
+          </a:prstGeom>
+          <a:solidFill>
+            <a:schemeClr val="bg1">
+              <a:lumMod val="85000"/>
+              <a:alpha val="10000"/>
+            </a:schemeClr>
+          </a:solidFill>
+          <a:ln>
+            <a:noFill/>
+          </a:ln>
+        </p:spPr>
+        <p:style>
+          <a:lnRef idx="1">
+            <a:schemeClr val="accent1"/>
+          </a:lnRef>
+          <a:fillRef idx="3">
+            <a:schemeClr val="accent1"/>
+          </a:fillRef>
+          <a:effectRef idx="2">
+            <a:schemeClr val="accent1"/>
+          </a:effectRef>
+          <a:fontRef idx="minor">
+            <a:schemeClr val="lt1"/>
+          </a:fontRef>
+        </p:style>
+        <p:txBody>
+          <a:bodyPr rtlCol="0" anchor="ctr"/>
+          <a:lstStyle/>
+          <a:p>
+            <a:pPr algn="ctr"/>
+            <a:endParaRPr lang="en-US">
+              <a:solidFill>
+                <a:srgbClr val="C8C8C8"/>
+              </a:solidFill>
+            </a:endParaRPr>
+          </a:p>
+        </p:txBody>
+      </p:sp>
+      <p:sp>
+        <p:nvSpPr>
+          <p:cNvPr id="5" name="TextBox 4"/>
+          <p:cNvSpPr txBox="1"/>
+          <p:nvPr/>
+        </p:nvSpPr>
+        <p:spPr>
+          <a:xfrm>
+            <a:off x="157868" y="1673132"/>
+            <a:ext cx="1452019" cy="415498"/>
+          </a:xfrm>
+          <a:prstGeom prst="rect">
+            <a:avLst/>
+          </a:prstGeom>
+          <a:noFill/>
+        </p:spPr>
+        <p:txBody>
+          <a:bodyPr wrap="square" rtlCol="0">
+            <a:spAutoFit/>
           </a:bodyPr>
           <a:lstStyle/>
           <a:p>
+            <a:r>
+              <a:rPr lang="en-US" sz="1050" dirty="0" smtClean="0"/>
+              <a:t>Size corresponds to number of reviews.</a:t>
+            </a:r>
+          </a:p>
+        </p:txBody>
+      </p:sp>
+      <p:grpSp>
+        <p:nvGrpSpPr>
+          <p:cNvPr id="15" name="Group 14"/>
+          <p:cNvGrpSpPr/>
+          <p:nvPr/>
+        </p:nvGrpSpPr>
+        <p:grpSpPr>
+          <a:xfrm>
+            <a:off x="330018" y="4795534"/>
+            <a:ext cx="1406064" cy="1879600"/>
+            <a:chOff x="279193" y="1687882"/>
+            <a:chExt cx="1406064" cy="1879600"/>
+          </a:xfrm>
+        </p:grpSpPr>
+        <p:pic>
+          <p:nvPicPr>
+            <p:cNvPr id="9" name="Picture 8" descr="Screen Shot 2015-10-19 at 12.25.15 AM.png"/>
+            <p:cNvPicPr>
+              <a:picLocks noChangeAspect="1"/>
+            </p:cNvPicPr>
+            <p:nvPr/>
+          </p:nvPicPr>
+          <p:blipFill>
+            <a:blip r:embed="rId2">
+              <a:extLst>
+                <a:ext uri="{28A0092B-C50C-407E-A947-70E740481C1C}">
+                  <a14:useLocalDpi xmlns:a14="http://schemas.microsoft.com/office/drawing/2010/main" val="0"/>
+                </a:ext>
+              </a:extLst>
+            </a:blip>
+            <a:stretch>
+              <a:fillRect/>
+            </a:stretch>
+          </p:blipFill>
+          <p:spPr>
+            <a:xfrm rot="5400000">
+              <a:off x="637507" y="2519732"/>
+              <a:ext cx="1879600" cy="215900"/>
+            </a:xfrm>
+            <a:prstGeom prst="rect">
+              <a:avLst/>
+            </a:prstGeom>
+          </p:spPr>
+        </p:pic>
+        <p:sp>
+          <p:nvSpPr>
+            <p:cNvPr id="10" name="TextBox 9"/>
+            <p:cNvSpPr txBox="1"/>
+            <p:nvPr/>
+          </p:nvSpPr>
+          <p:spPr>
+            <a:xfrm>
+              <a:off x="291993" y="3205506"/>
+              <a:ext cx="1204320" cy="253916"/>
+            </a:xfrm>
+            <a:prstGeom prst="rect">
+              <a:avLst/>
+            </a:prstGeom>
+            <a:noFill/>
+          </p:spPr>
+          <p:txBody>
+            <a:bodyPr wrap="square" rtlCol="0">
+              <a:spAutoFit/>
+            </a:bodyPr>
+            <a:lstStyle/>
+            <a:p>
+              <a:pPr algn="r"/>
+              <a:r>
+                <a:rPr lang="en-US" sz="1050" dirty="0" smtClean="0"/>
+                <a:t>More Negative</a:t>
+              </a:r>
+            </a:p>
+          </p:txBody>
+        </p:sp>
+        <p:sp>
+          <p:nvSpPr>
+            <p:cNvPr id="11" name="TextBox 10"/>
+            <p:cNvSpPr txBox="1"/>
+            <p:nvPr/>
+          </p:nvSpPr>
+          <p:spPr>
+            <a:xfrm>
+              <a:off x="291993" y="1778269"/>
+              <a:ext cx="1204320" cy="253916"/>
+            </a:xfrm>
+            <a:prstGeom prst="rect">
+              <a:avLst/>
+            </a:prstGeom>
+            <a:noFill/>
+          </p:spPr>
+          <p:txBody>
+            <a:bodyPr wrap="square" rtlCol="0">
+              <a:spAutoFit/>
+            </a:bodyPr>
+            <a:lstStyle/>
+            <a:p>
+              <a:pPr algn="r"/>
+              <a:r>
+                <a:rPr lang="en-US" sz="1050" dirty="0" smtClean="0"/>
+                <a:t>More Positive</a:t>
+              </a:r>
+            </a:p>
+          </p:txBody>
+        </p:sp>
+        <p:sp>
+          <p:nvSpPr>
+            <p:cNvPr id="12" name="TextBox 11"/>
+            <p:cNvSpPr txBox="1"/>
+            <p:nvPr/>
+          </p:nvSpPr>
+          <p:spPr>
+            <a:xfrm>
+              <a:off x="291993" y="2872678"/>
+              <a:ext cx="1204320" cy="253916"/>
+            </a:xfrm>
+            <a:prstGeom prst="rect">
+              <a:avLst/>
+            </a:prstGeom>
+            <a:noFill/>
+          </p:spPr>
+          <p:txBody>
+            <a:bodyPr wrap="square" rtlCol="0">
+              <a:spAutoFit/>
+            </a:bodyPr>
+            <a:lstStyle/>
+            <a:p>
+              <a:pPr algn="r"/>
+              <a:r>
+                <a:rPr lang="en-US" sz="1050" dirty="0" smtClean="0"/>
+                <a:t>Negative</a:t>
+              </a:r>
+            </a:p>
+          </p:txBody>
+        </p:sp>
+        <p:sp>
+          <p:nvSpPr>
+            <p:cNvPr id="13" name="TextBox 12"/>
+            <p:cNvSpPr txBox="1"/>
+            <p:nvPr/>
+          </p:nvSpPr>
+          <p:spPr>
+            <a:xfrm>
+              <a:off x="291993" y="2137214"/>
+              <a:ext cx="1204320" cy="253916"/>
+            </a:xfrm>
+            <a:prstGeom prst="rect">
+              <a:avLst/>
+            </a:prstGeom>
+            <a:noFill/>
+          </p:spPr>
+          <p:txBody>
+            <a:bodyPr wrap="square" rtlCol="0">
+              <a:spAutoFit/>
+            </a:bodyPr>
+            <a:lstStyle/>
+            <a:p>
+              <a:pPr algn="r"/>
+              <a:r>
+                <a:rPr lang="en-US" sz="1050" dirty="0" smtClean="0"/>
+                <a:t>Positive</a:t>
+              </a:r>
+            </a:p>
+          </p:txBody>
+        </p:sp>
+        <p:sp>
+          <p:nvSpPr>
+            <p:cNvPr id="14" name="TextBox 13"/>
+            <p:cNvSpPr txBox="1"/>
+            <p:nvPr/>
+          </p:nvSpPr>
+          <p:spPr>
+            <a:xfrm>
+              <a:off x="279193" y="2488230"/>
+              <a:ext cx="1204320" cy="253916"/>
+            </a:xfrm>
+            <a:prstGeom prst="rect">
+              <a:avLst/>
+            </a:prstGeom>
+            <a:noFill/>
+          </p:spPr>
+          <p:txBody>
+            <a:bodyPr wrap="square" rtlCol="0">
+              <a:spAutoFit/>
+            </a:bodyPr>
+            <a:lstStyle/>
+            <a:p>
+              <a:pPr algn="r"/>
+              <a:r>
+                <a:rPr lang="en-US" sz="1050" dirty="0" smtClean="0"/>
+                <a:t>Neutral</a:t>
+              </a:r>
+            </a:p>
+          </p:txBody>
+        </p:sp>
+      </p:grpSp>
+      <p:pic>
+        <p:nvPicPr>
+          <p:cNvPr id="4" name="Picture 3" descr="Screen Shot 2015-10-19 at 12.52.51 AM.png"/>
+          <p:cNvPicPr>
+            <a:picLocks noChangeAspect="1"/>
+          </p:cNvPicPr>
+          <p:nvPr/>
+        </p:nvPicPr>
+        <p:blipFill>
+          <a:blip r:embed="rId3">
+            <a:extLst>
+              <a:ext uri="{28A0092B-C50C-407E-A947-70E740481C1C}">
+                <a14:useLocalDpi xmlns:a14="http://schemas.microsoft.com/office/drawing/2010/main" val="0"/>
+              </a:ext>
+            </a:extLst>
+          </a:blip>
+          <a:stretch>
+            <a:fillRect/>
+          </a:stretch>
+        </p:blipFill>
+        <p:spPr>
+          <a:xfrm>
+            <a:off x="0" y="6704"/>
+            <a:ext cx="7301498" cy="6858000"/>
+          </a:xfrm>
+          <a:prstGeom prst="rect">
+            <a:avLst/>
+          </a:prstGeom>
+        </p:spPr>
+      </p:pic>
+      <p:sp>
+        <p:nvSpPr>
+          <p:cNvPr id="17" name="Title 1"/>
+          <p:cNvSpPr txBox="1">
+            <a:spLocks/>
+          </p:cNvSpPr>
+          <p:nvPr/>
+        </p:nvSpPr>
+        <p:spPr>
+          <a:xfrm>
+            <a:off x="6687193" y="150392"/>
+            <a:ext cx="2251386" cy="632775"/>
+          </a:xfrm>
+          <a:prstGeom prst="rect">
+            <a:avLst/>
+          </a:prstGeom>
+        </p:spPr>
+        <p:txBody>
+          <a:bodyPr vert="horz" lIns="91440" tIns="45720" rIns="91440" bIns="45720" rtlCol="0" anchor="ctr">
+            <a:noAutofit/>
+          </a:bodyPr>
+          <a:lstStyle>
+            <a:lvl1pPr algn="ctr" defTabSz="457200" rtl="0" eaLnBrk="1" latinLnBrk="0" hangingPunct="1">
+              <a:spcBef>
+                <a:spcPct val="0"/>
+              </a:spcBef>
+              <a:buNone/>
+              <a:defRPr sz="4400" kern="1200">
+                <a:solidFill>
+                  <a:schemeClr val="tx1"/>
+                </a:solidFill>
+                <a:latin typeface="+mj-lt"/>
+                <a:ea typeface="+mj-ea"/>
+                <a:cs typeface="+mj-cs"/>
+              </a:defRPr>
+            </a:lvl1pPr>
+          </a:lstStyle>
+          <a:p>
             <a:pPr algn="l"/>
             <a:r>
-              <a:rPr lang="en-US" dirty="0" smtClean="0"/>
-              <a:t>Chart: Scatter Grid of Topics and Words</a:t>
-            </a:r>
-          </a:p>
-          <a:p>
-            <a:pPr algn="l"/>
-            <a:endParaRPr lang="en-US" dirty="0" smtClean="0"/>
-          </a:p>
-          <a:p>
-            <a:pPr algn="l"/>
-            <a:r>
-              <a:rPr lang="en-US" dirty="0" smtClean="0"/>
-              <a:t>Usage: Understand ratings associated with </a:t>
-            </a:r>
-            <a:r>
-              <a:rPr lang="en-US" dirty="0" smtClean="0"/>
-              <a:t>customer service, coffee, and atmosphere (+ 2</a:t>
-            </a:r>
-            <a:r>
-              <a:rPr lang="en-US" baseline="30000" dirty="0" smtClean="0"/>
-              <a:t>nd</a:t>
-            </a:r>
-            <a:r>
-              <a:rPr lang="en-US" dirty="0" smtClean="0"/>
-              <a:t> chart with across locations?)</a:t>
-            </a:r>
-            <a:endParaRPr lang="en-US" dirty="0" smtClean="0"/>
-          </a:p>
-        </p:txBody>
-      </p:sp>
+              <a:rPr lang="en-US" sz="3200" dirty="0" smtClean="0">
+                <a:latin typeface="Helvetica"/>
+                <a:cs typeface="Helvetica"/>
+              </a:rPr>
+              <a:t>Frequency</a:t>
+            </a:r>
+            <a:endParaRPr lang="en-US" sz="3200" dirty="0">
+              <a:latin typeface="Helvetica"/>
+              <a:cs typeface="Helvetica"/>
+            </a:endParaRPr>
+          </a:p>
+        </p:txBody>
+      </p:sp>
+      <p:sp>
+        <p:nvSpPr>
+          <p:cNvPr id="18" name="TextBox 17"/>
+          <p:cNvSpPr txBox="1"/>
+          <p:nvPr/>
+        </p:nvSpPr>
+        <p:spPr>
+          <a:xfrm>
+            <a:off x="6776130" y="779963"/>
+            <a:ext cx="1938098" cy="1384995"/>
+          </a:xfrm>
+          <a:prstGeom prst="rect">
+            <a:avLst/>
+          </a:prstGeom>
+          <a:noFill/>
+        </p:spPr>
+        <p:txBody>
+          <a:bodyPr wrap="square" rtlCol="0">
+            <a:spAutoFit/>
+          </a:bodyPr>
+          <a:lstStyle/>
+          <a:p>
+            <a:r>
+              <a:rPr lang="en-US" sz="1050" dirty="0" smtClean="0"/>
+              <a:t>Each bubble in the chart represents one word pattern defined from a custom dictionary. The size corresponds to the frequency, and the color corresponds to the ratio of positive and negative reviews.</a:t>
+            </a:r>
+          </a:p>
+        </p:txBody>
+      </p:sp>
+      <p:grpSp>
+        <p:nvGrpSpPr>
+          <p:cNvPr id="19" name="Group 18"/>
+          <p:cNvGrpSpPr/>
+          <p:nvPr/>
+        </p:nvGrpSpPr>
+        <p:grpSpPr>
+          <a:xfrm>
+            <a:off x="7500741" y="4795533"/>
+            <a:ext cx="1406064" cy="1817157"/>
+            <a:chOff x="279193" y="1708472"/>
+            <a:chExt cx="1406064" cy="1817157"/>
+          </a:xfrm>
+        </p:grpSpPr>
+        <p:pic>
+          <p:nvPicPr>
+            <p:cNvPr id="20" name="Picture 19" descr="Screen Shot 2015-10-19 at 12.25.15 AM.png"/>
+            <p:cNvPicPr>
+              <a:picLocks noChangeAspect="1"/>
+            </p:cNvPicPr>
+            <p:nvPr/>
+          </p:nvPicPr>
+          <p:blipFill rotWithShape="1">
+            <a:blip r:embed="rId2">
+              <a:extLst>
+                <a:ext uri="{28A0092B-C50C-407E-A947-70E740481C1C}">
+                  <a14:useLocalDpi xmlns:a14="http://schemas.microsoft.com/office/drawing/2010/main" val="0"/>
+                </a:ext>
+              </a:extLst>
+            </a:blip>
+            <a:srcRect l="1096" r="2227"/>
+            <a:stretch/>
+          </p:blipFill>
+          <p:spPr>
+            <a:xfrm rot="5400000">
+              <a:off x="668728" y="2509101"/>
+              <a:ext cx="1817157" cy="215900"/>
+            </a:xfrm>
+            <a:prstGeom prst="rect">
+              <a:avLst/>
+            </a:prstGeom>
+          </p:spPr>
+        </p:pic>
+        <p:sp>
+          <p:nvSpPr>
+            <p:cNvPr id="21" name="TextBox 20"/>
+            <p:cNvSpPr txBox="1"/>
+            <p:nvPr/>
+          </p:nvSpPr>
+          <p:spPr>
+            <a:xfrm>
+              <a:off x="291993" y="3205506"/>
+              <a:ext cx="1204320" cy="253916"/>
+            </a:xfrm>
+            <a:prstGeom prst="rect">
+              <a:avLst/>
+            </a:prstGeom>
+            <a:noFill/>
+          </p:spPr>
+          <p:txBody>
+            <a:bodyPr wrap="square" rtlCol="0">
+              <a:spAutoFit/>
+            </a:bodyPr>
+            <a:lstStyle/>
+            <a:p>
+              <a:pPr algn="r"/>
+              <a:r>
+                <a:rPr lang="en-US" sz="1050" dirty="0" smtClean="0"/>
+                <a:t>More Negative</a:t>
+              </a:r>
+            </a:p>
+          </p:txBody>
+        </p:sp>
+        <p:sp>
+          <p:nvSpPr>
+            <p:cNvPr id="22" name="TextBox 21"/>
+            <p:cNvSpPr txBox="1"/>
+            <p:nvPr/>
+          </p:nvSpPr>
+          <p:spPr>
+            <a:xfrm>
+              <a:off x="291993" y="1778269"/>
+              <a:ext cx="1204320" cy="253916"/>
+            </a:xfrm>
+            <a:prstGeom prst="rect">
+              <a:avLst/>
+            </a:prstGeom>
+            <a:noFill/>
+          </p:spPr>
+          <p:txBody>
+            <a:bodyPr wrap="square" rtlCol="0">
+              <a:spAutoFit/>
+            </a:bodyPr>
+            <a:lstStyle/>
+            <a:p>
+              <a:pPr algn="r"/>
+              <a:r>
+                <a:rPr lang="en-US" sz="1050" dirty="0" smtClean="0"/>
+                <a:t>More Positive</a:t>
+              </a:r>
+            </a:p>
+          </p:txBody>
+        </p:sp>
+        <p:sp>
+          <p:nvSpPr>
+            <p:cNvPr id="23" name="TextBox 22"/>
+            <p:cNvSpPr txBox="1"/>
+            <p:nvPr/>
+          </p:nvSpPr>
+          <p:spPr>
+            <a:xfrm>
+              <a:off x="291993" y="2872678"/>
+              <a:ext cx="1204320" cy="253916"/>
+            </a:xfrm>
+            <a:prstGeom prst="rect">
+              <a:avLst/>
+            </a:prstGeom>
+            <a:noFill/>
+          </p:spPr>
+          <p:txBody>
+            <a:bodyPr wrap="square" rtlCol="0">
+              <a:spAutoFit/>
+            </a:bodyPr>
+            <a:lstStyle/>
+            <a:p>
+              <a:pPr algn="r"/>
+              <a:r>
+                <a:rPr lang="en-US" sz="1050" dirty="0" smtClean="0"/>
+                <a:t>Negative</a:t>
+              </a:r>
+            </a:p>
+          </p:txBody>
+        </p:sp>
+        <p:sp>
+          <p:nvSpPr>
+            <p:cNvPr id="24" name="TextBox 23"/>
+            <p:cNvSpPr txBox="1"/>
+            <p:nvPr/>
+          </p:nvSpPr>
+          <p:spPr>
+            <a:xfrm>
+              <a:off x="291993" y="2137214"/>
+              <a:ext cx="1204320" cy="253916"/>
+            </a:xfrm>
+            <a:prstGeom prst="rect">
+              <a:avLst/>
+            </a:prstGeom>
+            <a:noFill/>
+          </p:spPr>
+          <p:txBody>
+            <a:bodyPr wrap="square" rtlCol="0">
+              <a:spAutoFit/>
+            </a:bodyPr>
+            <a:lstStyle/>
+            <a:p>
+              <a:pPr algn="r"/>
+              <a:r>
+                <a:rPr lang="en-US" sz="1050" dirty="0" smtClean="0"/>
+                <a:t>Positive</a:t>
+              </a:r>
+            </a:p>
+          </p:txBody>
+        </p:sp>
+        <p:sp>
+          <p:nvSpPr>
+            <p:cNvPr id="25" name="TextBox 24"/>
+            <p:cNvSpPr txBox="1"/>
+            <p:nvPr/>
+          </p:nvSpPr>
+          <p:spPr>
+            <a:xfrm>
+              <a:off x="279193" y="2488230"/>
+              <a:ext cx="1204320" cy="253916"/>
+            </a:xfrm>
+            <a:prstGeom prst="rect">
+              <a:avLst/>
+            </a:prstGeom>
+            <a:noFill/>
+          </p:spPr>
+          <p:txBody>
+            <a:bodyPr wrap="square" rtlCol="0">
+              <a:spAutoFit/>
+            </a:bodyPr>
+            <a:lstStyle/>
+            <a:p>
+              <a:pPr algn="r"/>
+              <a:r>
+                <a:rPr lang="en-US" sz="1050" dirty="0" smtClean="0"/>
+                <a:t>Neutral</a:t>
+              </a:r>
+            </a:p>
+          </p:txBody>
+        </p:sp>
+      </p:grpSp>
     </p:spTree>
     <p:extLst>
       <p:ext uri="{BB962C8B-B14F-4D97-AF65-F5344CB8AC3E}">
-        <p14:creationId xmlns:p14="http://schemas.microsoft.com/office/powerpoint/2010/main" val="2038420418"/>
+        <p14:creationId xmlns:p14="http://schemas.microsoft.com/office/powerpoint/2010/main" val="2600074212"/>
       </p:ext>
     </p:extLst>
   </p:cSld>
@@ -3395,7 +4523,7 @@
         </p:nvSpPr>
         <p:spPr>
           <a:xfrm>
-            <a:off x="685800" y="2130425"/>
+            <a:off x="685800" y="2501867"/>
             <a:ext cx="7772400" cy="1470025"/>
           </a:xfrm>
         </p:spPr>
@@ -3403,12 +4531,20 @@
           <a:bodyPr/>
           <a:lstStyle/>
           <a:p>
+            <a:pPr algn="l"/>
             <a:r>
               <a:rPr lang="en-US" dirty="0" smtClean="0">
                 <a:latin typeface="Helvetica"/>
                 <a:cs typeface="Helvetica"/>
               </a:rPr>
-              <a:t>Some customer feedback is more </a:t>
+              <a:t>Some </a:t>
+            </a:r>
+            <a:r>
+              <a:rPr lang="en-US" dirty="0" smtClean="0">
+                <a:latin typeface="Helvetica"/>
+                <a:cs typeface="Helvetica"/>
+              </a:rPr>
+              <a:t>customers are more </a:t>
             </a:r>
             <a:r>
               <a:rPr lang="en-US" b="1" dirty="0" smtClean="0">
@@ -3422,7 +4558,14 @@
                 <a:latin typeface="Helvetica"/>
                 <a:cs typeface="Helvetica"/>
               </a:rPr>
-              <a:t> than others.</a:t>
+              <a:t> than </a:t>
+            </a:r>
+            <a:r>
+              <a:rPr lang="en-US" dirty="0" smtClean="0">
+                <a:latin typeface="Helvetica"/>
+                <a:cs typeface="Helvetica"/>
+              </a:rPr>
+              <a:t>others.</a:t>
             </a:r>
             <a:endParaRPr lang="en-US" dirty="0">
               <a:latin typeface="Helvetica"/>
@@ -3431,33 +4574,10 @@
           </a:p>
         </p:txBody>
       </p:sp>
-      <p:sp>
-        <p:nvSpPr>
-          <p:cNvPr id="4" name="Subtitle 3"/>
-          <p:cNvSpPr>
-            <a:spLocks noGrp="1"/>
-          </p:cNvSpPr>
-          <p:nvPr>
-            <p:ph type="subTitle" idx="1"/>
-          </p:nvPr>
-        </p:nvSpPr>
-        <p:spPr/>
-        <p:txBody>
-          <a:bodyPr/>
-          <a:lstStyle/>
-          <a:p>
-            <a:r>
-              <a:rPr lang="en-US" dirty="0" smtClean="0"/>
-              <a:t>Sentiment Analysis</a:t>
-            </a:r>
-            <a:endParaRPr lang="en-US" dirty="0"/>
-          </a:p>
-        </p:txBody>
-      </p:sp>
     </p:spTree>
     <p:extLst>
       <p:ext uri="{BB962C8B-B14F-4D97-AF65-F5344CB8AC3E}">
-        <p14:creationId xmlns:p14="http://schemas.microsoft.com/office/powerpoint/2010/main" val="1914828322"/>
+        <p14:creationId xmlns:p14="http://schemas.microsoft.com/office/powerpoint/2010/main" val="370407984"/>
       </p:ext>
     </p:extLst>
   </p:cSld>
@@ -3493,44 +4613,159 @@
       </p:grpSpPr>
       <p:sp>
         <p:nvSpPr>
-          <p:cNvPr id="4" name="Subtitle 3"/>
-          <p:cNvSpPr>
-            <a:spLocks noGrp="1"/>
-          </p:cNvSpPr>
-          <p:nvPr>
-            <p:ph type="subTitle" idx="1"/>
-          </p:nvPr>
-        </p:nvSpPr>
-        <p:spPr/>
+          <p:cNvPr id="2" name="Title 1"/>
+          <p:cNvSpPr>
+            <a:spLocks noGrp="1"/>
+          </p:cNvSpPr>
+          <p:nvPr>
+            <p:ph type="ctrTitle"/>
+          </p:nvPr>
+        </p:nvSpPr>
+        <p:spPr>
+          <a:xfrm>
+            <a:off x="685800" y="850188"/>
+            <a:ext cx="7772400" cy="5210055"/>
+          </a:xfrm>
+        </p:spPr>
         <p:txBody>
           <a:bodyPr>
-            <a:normAutofit fontScale="70000" lnSpcReduction="20000"/>
+            <a:normAutofit/>
           </a:bodyPr>
           <a:lstStyle/>
           <a:p>
             <a:pPr algn="l"/>
             <a:r>
-              <a:rPr lang="en-US" dirty="0" smtClean="0"/>
-              <a:t>Sentiment scatter chart with jitter</a:t>
-            </a:r>
-          </a:p>
-          <a:p>
-            <a:pPr algn="l"/>
-            <a:endParaRPr lang="en-US" dirty="0" smtClean="0"/>
-          </a:p>
-          <a:p>
-            <a:pPr algn="l"/>
-            <a:r>
-              <a:rPr lang="en-US" dirty="0" smtClean="0"/>
-              <a:t>Identify positive </a:t>
-            </a:r>
-            <a:r>
-              <a:rPr lang="en-US" dirty="0"/>
-              <a:t>s</a:t>
-            </a:r>
-            <a:r>
-              <a:rPr lang="en-US" dirty="0" smtClean="0"/>
-              <a:t>entiments within negative reviews and negative sentiments within positive reviews.</a:t>
+              <a:rPr lang="en-US" sz="4000" b="1" dirty="0" smtClean="0">
+                <a:solidFill>
+                  <a:srgbClr val="FF0000"/>
+                </a:solidFill>
+                <a:latin typeface="Helvetica"/>
+                <a:cs typeface="Helvetica"/>
+              </a:rPr>
+              <a:t>Challenge</a:t>
+            </a:r>
+            <a:r>
+              <a:rPr lang="en-US" sz="2800" dirty="0" smtClean="0">
+                <a:solidFill>
+                  <a:srgbClr val="FF0000"/>
+                </a:solidFill>
+                <a:latin typeface="Helvetica"/>
+                <a:cs typeface="Helvetica"/>
+              </a:rPr>
+              <a:t/>
+            </a:r>
+            <a:br>
+              <a:rPr lang="en-US" sz="2800" dirty="0" smtClean="0">
+                <a:solidFill>
+                  <a:srgbClr val="FF0000"/>
+                </a:solidFill>
+                <a:latin typeface="Helvetica"/>
+                <a:cs typeface="Helvetica"/>
+              </a:rPr>
+            </a:br>
+            <a:r>
+              <a:rPr lang="en-US" sz="2800" dirty="0" smtClean="0">
+                <a:latin typeface="Helvetica"/>
+                <a:cs typeface="Helvetica"/>
+              </a:rPr>
+              <a:t>Human beings are easily biased by un-related factors (e.g., Halo/Horns Effect).</a:t>
+            </a:r>
+            <a:br>
+              <a:rPr lang="en-US" sz="2800" dirty="0" smtClean="0">
+                <a:latin typeface="Helvetica"/>
+                <a:cs typeface="Helvetica"/>
+              </a:rPr>
+            </a:br>
+            <a:r>
+              <a:rPr lang="en-US" sz="2800" dirty="0" smtClean="0">
+                <a:latin typeface="Helvetica"/>
+                <a:cs typeface="Helvetica"/>
+              </a:rPr>
+              <a:t> </a:t>
+            </a:r>
+            <a:r>
+              <a:rPr lang="en-US" sz="2800" dirty="0">
+                <a:latin typeface="Helvetica"/>
+                <a:cs typeface="Helvetica"/>
+              </a:rPr>
+              <a:t/>
+            </a:r>
+            <a:br>
+              <a:rPr lang="en-US" sz="2800" dirty="0">
+                <a:latin typeface="Helvetica"/>
+                <a:cs typeface="Helvetica"/>
+              </a:rPr>
+            </a:br>
+            <a:r>
+              <a:rPr lang="en-US" sz="2800" dirty="0" smtClean="0">
+                <a:latin typeface="Helvetica"/>
+                <a:cs typeface="Helvetica"/>
+              </a:rPr>
+              <a:t/>
+            </a:r>
+            <a:br>
+              <a:rPr lang="en-US" sz="2800" dirty="0" smtClean="0">
+                <a:latin typeface="Helvetica"/>
+                <a:cs typeface="Helvetica"/>
+              </a:rPr>
+            </a:br>
+            <a:r>
+              <a:rPr lang="en-US" sz="2800" dirty="0" smtClean="0">
+                <a:latin typeface="Helvetica"/>
+                <a:cs typeface="Helvetica"/>
+              </a:rPr>
+              <a:t/>
+            </a:r>
+            <a:br>
+              <a:rPr lang="en-US" sz="2800" dirty="0" smtClean="0">
+                <a:latin typeface="Helvetica"/>
+                <a:cs typeface="Helvetica"/>
+              </a:rPr>
+            </a:br>
+            <a:r>
+              <a:rPr lang="en-US" sz="4000" b="1" dirty="0" smtClean="0">
+                <a:solidFill>
+                  <a:srgbClr val="008000"/>
+                </a:solidFill>
+                <a:latin typeface="Helvetica"/>
+                <a:cs typeface="Helvetica"/>
+              </a:rPr>
+              <a:t>Insight</a:t>
+            </a:r>
+            <a:r>
+              <a:rPr lang="en-US" sz="2800" b="1" dirty="0" smtClean="0">
+                <a:solidFill>
+                  <a:srgbClr val="008000"/>
+                </a:solidFill>
+                <a:latin typeface="Helvetica"/>
+                <a:cs typeface="Helvetica"/>
+              </a:rPr>
+              <a:t/>
+            </a:r>
+            <a:br>
+              <a:rPr lang="en-US" sz="2800" b="1" dirty="0" smtClean="0">
+                <a:solidFill>
+                  <a:srgbClr val="008000"/>
+                </a:solidFill>
+                <a:latin typeface="Helvetica"/>
+                <a:cs typeface="Helvetica"/>
+              </a:rPr>
+            </a:br>
+            <a:r>
+              <a:rPr lang="en-US" sz="2800" dirty="0" smtClean="0"/>
+              <a:t>Evaluating </a:t>
+            </a:r>
+            <a:r>
+              <a:rPr lang="en-US" sz="2800" dirty="0"/>
+              <a:t>sentiment at both the document and token level </a:t>
+            </a:r>
+            <a:r>
+              <a:rPr lang="en-US" sz="2800" dirty="0" smtClean="0"/>
+              <a:t>can be </a:t>
+            </a:r>
+            <a:r>
+              <a:rPr lang="en-US" sz="2800" dirty="0"/>
+              <a:t>more insightful than either one in isolation.</a:t>
             </a:r>
           </a:p>
         </p:txBody>
@@ -3538,7 +4773,1027 @@
     </p:spTree>
     <p:extLst>
       <p:ext uri="{BB962C8B-B14F-4D97-AF65-F5344CB8AC3E}">
-        <p14:creationId xmlns:p14="http://schemas.microsoft.com/office/powerpoint/2010/main" val="3875870445"/>
+        <p14:creationId xmlns:p14="http://schemas.microsoft.com/office/powerpoint/2010/main" val="2621894492"/>
+      </p:ext>
+    </p:extLst>
+  </p:cSld>
+  <p:clrMapOvr>
+    <a:masterClrMapping/>
+  </p:clrMapOvr>
+  <p:timing>
+    <p:tnLst>
+      <p:par>
+        <p:cTn xmlns:p14="http://schemas.microsoft.com/office/powerpoint/2010/main" id="1" dur="indefinite" restart="never" nodeType="tmRoot"/>
+      </p:par>
+    </p:tnLst>
+  </p:timing>
+</p:sld>
+</file>
+
+<file path=ppt/slides/slide14.xml><?xml version="1.0" encoding="utf-8"?>
+<p:sld xmlns:a="http://schemas.openxmlformats.org/drawingml/2006/main" xmlns:r="http://schemas.openxmlformats.org/officeDocument/2006/relationships" xmlns:p="http://schemas.openxmlformats.org/presentationml/2006/main">
+  <p:cSld>
+    <p:spTree>
+      <p:nvGrpSpPr>
+        <p:cNvPr id="1" name=""/>
+        <p:cNvGrpSpPr/>
+        <p:nvPr/>
+      </p:nvGrpSpPr>
+      <p:grpSpPr>
+        <a:xfrm>
+          <a:off x="0" y="0"/>
+          <a:ext cx="0" cy="0"/>
+          <a:chOff x="0" y="0"/>
+          <a:chExt cx="0" cy="0"/>
+        </a:xfrm>
+      </p:grpSpPr>
+      <p:pic>
+        <p:nvPicPr>
+          <p:cNvPr id="4" name="Picture 3" descr="Screen Shot 2015-10-18 at 5.14.22 PM.png"/>
+          <p:cNvPicPr>
+            <a:picLocks noChangeAspect="1"/>
+          </p:cNvPicPr>
+          <p:nvPr/>
+        </p:nvPicPr>
+        <p:blipFill>
+          <a:blip r:embed="rId2">
+            <a:extLst>
+              <a:ext uri="{28A0092B-C50C-407E-A947-70E740481C1C}">
+                <a14:useLocalDpi xmlns:a14="http://schemas.microsoft.com/office/drawing/2010/main" val="0"/>
+              </a:ext>
+            </a:extLst>
+          </a:blip>
+          <a:stretch>
+            <a:fillRect/>
+          </a:stretch>
+        </p:blipFill>
+        <p:spPr>
+          <a:xfrm>
+            <a:off x="0" y="1680080"/>
+            <a:ext cx="9144000" cy="2341966"/>
+          </a:xfrm>
+          <a:prstGeom prst="rect">
+            <a:avLst/>
+          </a:prstGeom>
+        </p:spPr>
+      </p:pic>
+      <p:sp>
+        <p:nvSpPr>
+          <p:cNvPr id="21" name="Title 1"/>
+          <p:cNvSpPr txBox="1">
+            <a:spLocks/>
+          </p:cNvSpPr>
+          <p:nvPr/>
+        </p:nvSpPr>
+        <p:spPr>
+          <a:xfrm>
+            <a:off x="299422" y="147188"/>
+            <a:ext cx="2251386" cy="632775"/>
+          </a:xfrm>
+          <a:prstGeom prst="rect">
+            <a:avLst/>
+          </a:prstGeom>
+        </p:spPr>
+        <p:txBody>
+          <a:bodyPr vert="horz" lIns="91440" tIns="45720" rIns="91440" bIns="45720" rtlCol="0" anchor="ctr">
+            <a:noAutofit/>
+          </a:bodyPr>
+          <a:lstStyle>
+            <a:lvl1pPr algn="ctr" defTabSz="457200" rtl="0" eaLnBrk="1" latinLnBrk="0" hangingPunct="1">
+              <a:spcBef>
+                <a:spcPct val="0"/>
+              </a:spcBef>
+              <a:buNone/>
+              <a:defRPr sz="4400" kern="1200">
+                <a:solidFill>
+                  <a:schemeClr val="tx1"/>
+                </a:solidFill>
+                <a:latin typeface="+mj-lt"/>
+                <a:ea typeface="+mj-ea"/>
+                <a:cs typeface="+mj-cs"/>
+              </a:defRPr>
+            </a:lvl1pPr>
+          </a:lstStyle>
+          <a:p>
+            <a:pPr algn="l"/>
+            <a:r>
+              <a:rPr lang="en-US" sz="3200" dirty="0" smtClean="0">
+                <a:latin typeface="Helvetica"/>
+                <a:cs typeface="Helvetica"/>
+              </a:rPr>
+              <a:t>Nuance</a:t>
+            </a:r>
+            <a:endParaRPr lang="en-US" sz="3200" dirty="0">
+              <a:latin typeface="Helvetica"/>
+              <a:cs typeface="Helvetica"/>
+            </a:endParaRPr>
+          </a:p>
+        </p:txBody>
+      </p:sp>
+      <p:sp>
+        <p:nvSpPr>
+          <p:cNvPr id="22" name="TextBox 21"/>
+          <p:cNvSpPr txBox="1"/>
+          <p:nvPr/>
+        </p:nvSpPr>
+        <p:spPr>
+          <a:xfrm>
+            <a:off x="299422" y="886665"/>
+            <a:ext cx="5451554" cy="577081"/>
+          </a:xfrm>
+          <a:prstGeom prst="rect">
+            <a:avLst/>
+          </a:prstGeom>
+          <a:noFill/>
+        </p:spPr>
+        <p:txBody>
+          <a:bodyPr wrap="square" rtlCol="0">
+            <a:spAutoFit/>
+          </a:bodyPr>
+          <a:lstStyle/>
+          <a:p>
+            <a:r>
+              <a:rPr lang="en-US" sz="1050" dirty="0"/>
+              <a:t>Each point in the scatter chart below corresponds to a review. The y- and x-axes are defined as the number of positively and negatively scored words divided by the number of total words. Words are scored using an off-the-shelf sentiment library.</a:t>
+            </a:r>
+          </a:p>
+        </p:txBody>
+      </p:sp>
+    </p:spTree>
+    <p:extLst>
+      <p:ext uri="{BB962C8B-B14F-4D97-AF65-F5344CB8AC3E}">
+        <p14:creationId xmlns:p14="http://schemas.microsoft.com/office/powerpoint/2010/main" val="799353373"/>
+      </p:ext>
+    </p:extLst>
+  </p:cSld>
+  <p:clrMapOvr>
+    <a:masterClrMapping/>
+  </p:clrMapOvr>
+  <p:timing>
+    <p:tnLst>
+      <p:par>
+        <p:cTn xmlns:p14="http://schemas.microsoft.com/office/powerpoint/2010/main" id="1" dur="indefinite" restart="never" nodeType="tmRoot"/>
+      </p:par>
+    </p:tnLst>
+  </p:timing>
+</p:sld>
+</file>
+
+<file path=ppt/slides/slide15.xml><?xml version="1.0" encoding="utf-8"?>
+<p:sld xmlns:a="http://schemas.openxmlformats.org/drawingml/2006/main" xmlns:r="http://schemas.openxmlformats.org/officeDocument/2006/relationships" xmlns:p="http://schemas.openxmlformats.org/presentationml/2006/main">
+  <p:cSld>
+    <p:spTree>
+      <p:nvGrpSpPr>
+        <p:cNvPr id="1" name=""/>
+        <p:cNvGrpSpPr/>
+        <p:nvPr/>
+      </p:nvGrpSpPr>
+      <p:grpSpPr>
+        <a:xfrm>
+          <a:off x="0" y="0"/>
+          <a:ext cx="0" cy="0"/>
+          <a:chOff x="0" y="0"/>
+          <a:chExt cx="0" cy="0"/>
+        </a:xfrm>
+      </p:grpSpPr>
+      <p:pic>
+        <p:nvPicPr>
+          <p:cNvPr id="24" name="Picture 23" descr="Screen Shot 2015-10-18 at 5.14.22 PM.png"/>
+          <p:cNvPicPr>
+            <a:picLocks noChangeAspect="1"/>
+          </p:cNvPicPr>
+          <p:nvPr/>
+        </p:nvPicPr>
+        <p:blipFill>
+          <a:blip r:embed="rId2">
+            <a:extLst>
+              <a:ext uri="{28A0092B-C50C-407E-A947-70E740481C1C}">
+                <a14:useLocalDpi xmlns:a14="http://schemas.microsoft.com/office/drawing/2010/main" val="0"/>
+              </a:ext>
+            </a:extLst>
+          </a:blip>
+          <a:stretch>
+            <a:fillRect/>
+          </a:stretch>
+        </p:blipFill>
+        <p:spPr>
+          <a:xfrm>
+            <a:off x="0" y="1680080"/>
+            <a:ext cx="9144000" cy="2341966"/>
+          </a:xfrm>
+          <a:prstGeom prst="rect">
+            <a:avLst/>
+          </a:prstGeom>
+        </p:spPr>
+      </p:pic>
+      <p:sp>
+        <p:nvSpPr>
+          <p:cNvPr id="5" name="Rectangle 4"/>
+          <p:cNvSpPr/>
+          <p:nvPr/>
+        </p:nvSpPr>
+        <p:spPr>
+          <a:xfrm>
+            <a:off x="2197188" y="1926132"/>
+            <a:ext cx="466553" cy="1067915"/>
+          </a:xfrm>
+          <a:prstGeom prst="rect">
+            <a:avLst/>
+          </a:prstGeom>
+          <a:solidFill>
+            <a:schemeClr val="bg1">
+              <a:lumMod val="85000"/>
+              <a:alpha val="25000"/>
+            </a:schemeClr>
+          </a:solidFill>
+          <a:ln>
+            <a:solidFill>
+              <a:schemeClr val="tx1">
+                <a:lumMod val="75000"/>
+                <a:lumOff val="25000"/>
+              </a:schemeClr>
+            </a:solidFill>
+          </a:ln>
+        </p:spPr>
+        <p:style>
+          <a:lnRef idx="1">
+            <a:schemeClr val="accent1"/>
+          </a:lnRef>
+          <a:fillRef idx="3">
+            <a:schemeClr val="accent1"/>
+          </a:fillRef>
+          <a:effectRef idx="2">
+            <a:schemeClr val="accent1"/>
+          </a:effectRef>
+          <a:fontRef idx="minor">
+            <a:schemeClr val="lt1"/>
+          </a:fontRef>
+        </p:style>
+        <p:txBody>
+          <a:bodyPr rtlCol="0" anchor="ctr"/>
+          <a:lstStyle/>
+          <a:p>
+            <a:pPr algn="ctr"/>
+            <a:endParaRPr lang="en-US"/>
+          </a:p>
+        </p:txBody>
+      </p:sp>
+      <p:sp>
+        <p:nvSpPr>
+          <p:cNvPr id="6" name="Rectangle 5"/>
+          <p:cNvSpPr/>
+          <p:nvPr/>
+        </p:nvSpPr>
+        <p:spPr>
+          <a:xfrm>
+            <a:off x="480653" y="1926132"/>
+            <a:ext cx="466553" cy="1067915"/>
+          </a:xfrm>
+          <a:prstGeom prst="rect">
+            <a:avLst/>
+          </a:prstGeom>
+          <a:solidFill>
+            <a:schemeClr val="bg1">
+              <a:lumMod val="85000"/>
+              <a:alpha val="25000"/>
+            </a:schemeClr>
+          </a:solidFill>
+          <a:ln>
+            <a:solidFill>
+              <a:schemeClr val="tx1">
+                <a:lumMod val="75000"/>
+                <a:lumOff val="25000"/>
+              </a:schemeClr>
+            </a:solidFill>
+          </a:ln>
+        </p:spPr>
+        <p:style>
+          <a:lnRef idx="1">
+            <a:schemeClr val="accent1"/>
+          </a:lnRef>
+          <a:fillRef idx="3">
+            <a:schemeClr val="accent1"/>
+          </a:fillRef>
+          <a:effectRef idx="2">
+            <a:schemeClr val="accent1"/>
+          </a:effectRef>
+          <a:fontRef idx="minor">
+            <a:schemeClr val="lt1"/>
+          </a:fontRef>
+        </p:style>
+        <p:txBody>
+          <a:bodyPr rtlCol="0" anchor="ctr"/>
+          <a:lstStyle/>
+          <a:p>
+            <a:pPr algn="ctr"/>
+            <a:endParaRPr lang="en-US"/>
+          </a:p>
+        </p:txBody>
+      </p:sp>
+      <p:sp>
+        <p:nvSpPr>
+          <p:cNvPr id="7" name="Rectangle 6"/>
+          <p:cNvSpPr/>
+          <p:nvPr/>
+        </p:nvSpPr>
+        <p:spPr>
+          <a:xfrm>
+            <a:off x="7765338" y="2889972"/>
+            <a:ext cx="1267844" cy="783716"/>
+          </a:xfrm>
+          <a:prstGeom prst="rect">
+            <a:avLst/>
+          </a:prstGeom>
+          <a:solidFill>
+            <a:schemeClr val="bg1">
+              <a:lumMod val="85000"/>
+              <a:alpha val="25000"/>
+            </a:schemeClr>
+          </a:solidFill>
+          <a:ln>
+            <a:solidFill>
+              <a:schemeClr val="tx1">
+                <a:lumMod val="75000"/>
+                <a:lumOff val="25000"/>
+              </a:schemeClr>
+            </a:solidFill>
+          </a:ln>
+        </p:spPr>
+        <p:style>
+          <a:lnRef idx="1">
+            <a:schemeClr val="accent1"/>
+          </a:lnRef>
+          <a:fillRef idx="3">
+            <a:schemeClr val="accent1"/>
+          </a:fillRef>
+          <a:effectRef idx="2">
+            <a:schemeClr val="accent1"/>
+          </a:effectRef>
+          <a:fontRef idx="minor">
+            <a:schemeClr val="lt1"/>
+          </a:fontRef>
+        </p:style>
+        <p:txBody>
+          <a:bodyPr rtlCol="0" anchor="ctr"/>
+          <a:lstStyle/>
+          <a:p>
+            <a:pPr algn="ctr"/>
+            <a:endParaRPr lang="en-US"/>
+          </a:p>
+        </p:txBody>
+      </p:sp>
+      <p:sp>
+        <p:nvSpPr>
+          <p:cNvPr id="8" name="Rectangle 7"/>
+          <p:cNvSpPr/>
+          <p:nvPr/>
+        </p:nvSpPr>
+        <p:spPr>
+          <a:xfrm>
+            <a:off x="6048804" y="2913614"/>
+            <a:ext cx="1267844" cy="712469"/>
+          </a:xfrm>
+          <a:prstGeom prst="rect">
+            <a:avLst/>
+          </a:prstGeom>
+          <a:solidFill>
+            <a:schemeClr val="bg1">
+              <a:lumMod val="85000"/>
+              <a:alpha val="25000"/>
+            </a:schemeClr>
+          </a:solidFill>
+          <a:ln>
+            <a:solidFill>
+              <a:schemeClr val="tx1">
+                <a:lumMod val="75000"/>
+                <a:lumOff val="25000"/>
+              </a:schemeClr>
+            </a:solidFill>
+          </a:ln>
+        </p:spPr>
+        <p:style>
+          <a:lnRef idx="1">
+            <a:schemeClr val="accent1"/>
+          </a:lnRef>
+          <a:fillRef idx="3">
+            <a:schemeClr val="accent1"/>
+          </a:fillRef>
+          <a:effectRef idx="2">
+            <a:schemeClr val="accent1"/>
+          </a:effectRef>
+          <a:fontRef idx="minor">
+            <a:schemeClr val="lt1"/>
+          </a:fontRef>
+        </p:style>
+        <p:txBody>
+          <a:bodyPr rtlCol="0" anchor="ctr"/>
+          <a:lstStyle/>
+          <a:p>
+            <a:pPr algn="ctr"/>
+            <a:endParaRPr lang="en-US"/>
+          </a:p>
+        </p:txBody>
+      </p:sp>
+      <p:cxnSp>
+        <p:nvCxnSpPr>
+          <p:cNvPr id="12" name="Straight Arrow Connector 11"/>
+          <p:cNvCxnSpPr/>
+          <p:nvPr/>
+        </p:nvCxnSpPr>
+        <p:spPr>
+          <a:xfrm flipV="1">
+            <a:off x="693632" y="3012660"/>
+            <a:ext cx="0" cy="1488714"/>
+          </a:xfrm>
+          <a:prstGeom prst="straightConnector1">
+            <a:avLst/>
+          </a:prstGeom>
+          <a:ln>
+            <a:solidFill>
+              <a:schemeClr val="tx1">
+                <a:lumMod val="75000"/>
+                <a:lumOff val="25000"/>
+              </a:schemeClr>
+            </a:solidFill>
+            <a:headEnd type="none"/>
+            <a:tailEnd type="triangle"/>
+          </a:ln>
+          <a:effectLst/>
+        </p:spPr>
+        <p:style>
+          <a:lnRef idx="2">
+            <a:schemeClr val="dk1"/>
+          </a:lnRef>
+          <a:fillRef idx="0">
+            <a:schemeClr val="dk1"/>
+          </a:fillRef>
+          <a:effectRef idx="1">
+            <a:schemeClr val="dk1"/>
+          </a:effectRef>
+          <a:fontRef idx="minor">
+            <a:schemeClr val="tx1"/>
+          </a:fontRef>
+        </p:style>
+      </p:cxnSp>
+      <p:sp>
+        <p:nvSpPr>
+          <p:cNvPr id="25" name="Title 1"/>
+          <p:cNvSpPr txBox="1">
+            <a:spLocks/>
+          </p:cNvSpPr>
+          <p:nvPr/>
+        </p:nvSpPr>
+        <p:spPr>
+          <a:xfrm>
+            <a:off x="299422" y="147188"/>
+            <a:ext cx="2251386" cy="632775"/>
+          </a:xfrm>
+          <a:prstGeom prst="rect">
+            <a:avLst/>
+          </a:prstGeom>
+        </p:spPr>
+        <p:txBody>
+          <a:bodyPr vert="horz" lIns="91440" tIns="45720" rIns="91440" bIns="45720" rtlCol="0" anchor="ctr">
+            <a:noAutofit/>
+          </a:bodyPr>
+          <a:lstStyle>
+            <a:lvl1pPr algn="ctr" defTabSz="457200" rtl="0" eaLnBrk="1" latinLnBrk="0" hangingPunct="1">
+              <a:spcBef>
+                <a:spcPct val="0"/>
+              </a:spcBef>
+              <a:buNone/>
+              <a:defRPr sz="4400" kern="1200">
+                <a:solidFill>
+                  <a:schemeClr val="tx1"/>
+                </a:solidFill>
+                <a:latin typeface="+mj-lt"/>
+                <a:ea typeface="+mj-ea"/>
+                <a:cs typeface="+mj-cs"/>
+              </a:defRPr>
+            </a:lvl1pPr>
+          </a:lstStyle>
+          <a:p>
+            <a:pPr algn="l"/>
+            <a:r>
+              <a:rPr lang="en-US" sz="3200" dirty="0" smtClean="0">
+                <a:latin typeface="Helvetica"/>
+                <a:cs typeface="Helvetica"/>
+              </a:rPr>
+              <a:t>Nuance</a:t>
+            </a:r>
+            <a:endParaRPr lang="en-US" sz="3200" dirty="0">
+              <a:latin typeface="Helvetica"/>
+              <a:cs typeface="Helvetica"/>
+            </a:endParaRPr>
+          </a:p>
+        </p:txBody>
+      </p:sp>
+      <p:sp>
+        <p:nvSpPr>
+          <p:cNvPr id="26" name="TextBox 25"/>
+          <p:cNvSpPr txBox="1"/>
+          <p:nvPr/>
+        </p:nvSpPr>
+        <p:spPr>
+          <a:xfrm>
+            <a:off x="299422" y="886665"/>
+            <a:ext cx="5451554" cy="577081"/>
+          </a:xfrm>
+          <a:prstGeom prst="rect">
+            <a:avLst/>
+          </a:prstGeom>
+          <a:noFill/>
+        </p:spPr>
+        <p:txBody>
+          <a:bodyPr wrap="square" rtlCol="0">
+            <a:spAutoFit/>
+          </a:bodyPr>
+          <a:lstStyle/>
+          <a:p>
+            <a:r>
+              <a:rPr lang="en-US" sz="1050" dirty="0" smtClean="0"/>
+              <a:t>Each point in the scatter chart below corresponds to a review. The y- and x-axes are defined as the number of positively and negatively scored words divided by the number of total words. Words are scored using an off-the-shelf sentiment library.</a:t>
+            </a:r>
+          </a:p>
+        </p:txBody>
+      </p:sp>
+      <p:sp>
+        <p:nvSpPr>
+          <p:cNvPr id="29" name="TextBox 28"/>
+          <p:cNvSpPr txBox="1"/>
+          <p:nvPr/>
+        </p:nvSpPr>
+        <p:spPr>
+          <a:xfrm>
+            <a:off x="510252" y="4510362"/>
+            <a:ext cx="2783394" cy="253916"/>
+          </a:xfrm>
+          <a:prstGeom prst="rect">
+            <a:avLst/>
+          </a:prstGeom>
+          <a:noFill/>
+        </p:spPr>
+        <p:txBody>
+          <a:bodyPr wrap="square" rtlCol="0">
+            <a:spAutoFit/>
+          </a:bodyPr>
+          <a:lstStyle/>
+          <a:p>
+            <a:r>
+              <a:rPr lang="en-US" sz="1050" dirty="0" smtClean="0"/>
+              <a:t>Positive sentiments in negative reviews.</a:t>
+            </a:r>
+          </a:p>
+        </p:txBody>
+      </p:sp>
+      <p:cxnSp>
+        <p:nvCxnSpPr>
+          <p:cNvPr id="32" name="Straight Arrow Connector 31"/>
+          <p:cNvCxnSpPr/>
+          <p:nvPr/>
+        </p:nvCxnSpPr>
+        <p:spPr>
+          <a:xfrm flipV="1">
+            <a:off x="2394769" y="3021648"/>
+            <a:ext cx="0" cy="1488714"/>
+          </a:xfrm>
+          <a:prstGeom prst="straightConnector1">
+            <a:avLst/>
+          </a:prstGeom>
+          <a:ln>
+            <a:solidFill>
+              <a:schemeClr val="tx1">
+                <a:lumMod val="75000"/>
+                <a:lumOff val="25000"/>
+              </a:schemeClr>
+            </a:solidFill>
+            <a:headEnd type="none"/>
+            <a:tailEnd type="triangle"/>
+          </a:ln>
+          <a:effectLst/>
+        </p:spPr>
+        <p:style>
+          <a:lnRef idx="2">
+            <a:schemeClr val="dk1"/>
+          </a:lnRef>
+          <a:fillRef idx="0">
+            <a:schemeClr val="dk1"/>
+          </a:fillRef>
+          <a:effectRef idx="1">
+            <a:schemeClr val="dk1"/>
+          </a:effectRef>
+          <a:fontRef idx="minor">
+            <a:schemeClr val="tx1"/>
+          </a:fontRef>
+        </p:style>
+      </p:cxnSp>
+      <p:sp>
+        <p:nvSpPr>
+          <p:cNvPr id="33" name="TextBox 32"/>
+          <p:cNvSpPr txBox="1"/>
+          <p:nvPr/>
+        </p:nvSpPr>
+        <p:spPr>
+          <a:xfrm>
+            <a:off x="6389529" y="4510362"/>
+            <a:ext cx="2783394" cy="253916"/>
+          </a:xfrm>
+          <a:prstGeom prst="rect">
+            <a:avLst/>
+          </a:prstGeom>
+          <a:noFill/>
+        </p:spPr>
+        <p:txBody>
+          <a:bodyPr wrap="square" rtlCol="0">
+            <a:spAutoFit/>
+          </a:bodyPr>
+          <a:lstStyle/>
+          <a:p>
+            <a:r>
+              <a:rPr lang="en-US" sz="1050" dirty="0" smtClean="0"/>
+              <a:t>Negative sentiments in positive reviews.</a:t>
+            </a:r>
+          </a:p>
+        </p:txBody>
+      </p:sp>
+      <p:cxnSp>
+        <p:nvCxnSpPr>
+          <p:cNvPr id="34" name="Straight Arrow Connector 33"/>
+          <p:cNvCxnSpPr/>
+          <p:nvPr/>
+        </p:nvCxnSpPr>
+        <p:spPr>
+          <a:xfrm flipV="1">
+            <a:off x="6677134" y="3691164"/>
+            <a:ext cx="0" cy="810210"/>
+          </a:xfrm>
+          <a:prstGeom prst="straightConnector1">
+            <a:avLst/>
+          </a:prstGeom>
+          <a:ln>
+            <a:solidFill>
+              <a:schemeClr val="tx1">
+                <a:lumMod val="75000"/>
+                <a:lumOff val="25000"/>
+              </a:schemeClr>
+            </a:solidFill>
+            <a:headEnd type="none"/>
+            <a:tailEnd type="triangle"/>
+          </a:ln>
+          <a:effectLst/>
+        </p:spPr>
+        <p:style>
+          <a:lnRef idx="2">
+            <a:schemeClr val="dk1"/>
+          </a:lnRef>
+          <a:fillRef idx="0">
+            <a:schemeClr val="dk1"/>
+          </a:fillRef>
+          <a:effectRef idx="1">
+            <a:schemeClr val="dk1"/>
+          </a:effectRef>
+          <a:fontRef idx="minor">
+            <a:schemeClr val="tx1"/>
+          </a:fontRef>
+        </p:style>
+      </p:cxnSp>
+      <p:cxnSp>
+        <p:nvCxnSpPr>
+          <p:cNvPr id="36" name="Straight Arrow Connector 35"/>
+          <p:cNvCxnSpPr/>
+          <p:nvPr/>
+        </p:nvCxnSpPr>
+        <p:spPr>
+          <a:xfrm flipV="1">
+            <a:off x="8522819" y="3691164"/>
+            <a:ext cx="0" cy="810210"/>
+          </a:xfrm>
+          <a:prstGeom prst="straightConnector1">
+            <a:avLst/>
+          </a:prstGeom>
+          <a:ln>
+            <a:solidFill>
+              <a:schemeClr val="tx1">
+                <a:lumMod val="75000"/>
+                <a:lumOff val="25000"/>
+              </a:schemeClr>
+            </a:solidFill>
+            <a:headEnd type="none"/>
+            <a:tailEnd type="triangle"/>
+          </a:ln>
+          <a:effectLst/>
+        </p:spPr>
+        <p:style>
+          <a:lnRef idx="2">
+            <a:schemeClr val="dk1"/>
+          </a:lnRef>
+          <a:fillRef idx="0">
+            <a:schemeClr val="dk1"/>
+          </a:fillRef>
+          <a:effectRef idx="1">
+            <a:schemeClr val="dk1"/>
+          </a:effectRef>
+          <a:fontRef idx="minor">
+            <a:schemeClr val="tx1"/>
+          </a:fontRef>
+        </p:style>
+      </p:cxnSp>
+    </p:spTree>
+    <p:extLst>
+      <p:ext uri="{BB962C8B-B14F-4D97-AF65-F5344CB8AC3E}">
+        <p14:creationId xmlns:p14="http://schemas.microsoft.com/office/powerpoint/2010/main" val="584021305"/>
+      </p:ext>
+    </p:extLst>
+  </p:cSld>
+  <p:clrMapOvr>
+    <a:masterClrMapping/>
+  </p:clrMapOvr>
+  <p:timing>
+    <p:tnLst>
+      <p:par>
+        <p:cTn xmlns:p14="http://schemas.microsoft.com/office/powerpoint/2010/main" id="1" dur="indefinite" restart="never" nodeType="tmRoot"/>
+      </p:par>
+    </p:tnLst>
+  </p:timing>
+</p:sld>
+</file>
+
+<file path=ppt/slides/slide16.xml><?xml version="1.0" encoding="utf-8"?>
+<p:sld xmlns:a="http://schemas.openxmlformats.org/drawingml/2006/main" xmlns:r="http://schemas.openxmlformats.org/officeDocument/2006/relationships" xmlns:p="http://schemas.openxmlformats.org/presentationml/2006/main">
+  <p:cSld>
+    <p:spTree>
+      <p:nvGrpSpPr>
+        <p:cNvPr id="1" name=""/>
+        <p:cNvGrpSpPr/>
+        <p:nvPr/>
+      </p:nvGrpSpPr>
+      <p:grpSpPr>
+        <a:xfrm>
+          <a:off x="0" y="0"/>
+          <a:ext cx="0" cy="0"/>
+          <a:chOff x="0" y="0"/>
+          <a:chExt cx="0" cy="0"/>
+        </a:xfrm>
+      </p:grpSpPr>
+      <p:sp>
+        <p:nvSpPr>
+          <p:cNvPr id="2" name="Title 1"/>
+          <p:cNvSpPr>
+            <a:spLocks noGrp="1"/>
+          </p:cNvSpPr>
+          <p:nvPr>
+            <p:ph type="ctrTitle"/>
+          </p:nvPr>
+        </p:nvSpPr>
+        <p:spPr>
+          <a:xfrm>
+            <a:off x="685800" y="2481441"/>
+            <a:ext cx="7772400" cy="1470025"/>
+          </a:xfrm>
+        </p:spPr>
+        <p:txBody>
+          <a:bodyPr>
+            <a:normAutofit/>
+          </a:bodyPr>
+          <a:lstStyle/>
+          <a:p>
+            <a:pPr algn="l"/>
+            <a:r>
+              <a:rPr lang="en-US" dirty="0" smtClean="0">
+                <a:latin typeface="Helvetica"/>
+                <a:cs typeface="Helvetica"/>
+              </a:rPr>
+              <a:t>Is the customer always right?</a:t>
+            </a:r>
+            <a:endParaRPr lang="en-US" dirty="0">
+              <a:latin typeface="Helvetica"/>
+              <a:cs typeface="Helvetica"/>
+            </a:endParaRPr>
+          </a:p>
+        </p:txBody>
+      </p:sp>
+    </p:spTree>
+    <p:extLst>
+      <p:ext uri="{BB962C8B-B14F-4D97-AF65-F5344CB8AC3E}">
+        <p14:creationId xmlns:p14="http://schemas.microsoft.com/office/powerpoint/2010/main" val="2246848144"/>
+      </p:ext>
+    </p:extLst>
+  </p:cSld>
+  <p:clrMapOvr>
+    <a:masterClrMapping/>
+  </p:clrMapOvr>
+  <p:timing>
+    <p:tnLst>
+      <p:par>
+        <p:cTn xmlns:p14="http://schemas.microsoft.com/office/powerpoint/2010/main" id="1" dur="indefinite" restart="never" nodeType="tmRoot"/>
+      </p:par>
+    </p:tnLst>
+  </p:timing>
+</p:sld>
+</file>
+
+<file path=ppt/slides/slide17.xml><?xml version="1.0" encoding="utf-8"?>
+<p:sld xmlns:a="http://schemas.openxmlformats.org/drawingml/2006/main" xmlns:r="http://schemas.openxmlformats.org/officeDocument/2006/relationships" xmlns:p="http://schemas.openxmlformats.org/presentationml/2006/main">
+  <p:cSld>
+    <p:spTree>
+      <p:nvGrpSpPr>
+        <p:cNvPr id="1" name=""/>
+        <p:cNvGrpSpPr/>
+        <p:nvPr/>
+      </p:nvGrpSpPr>
+      <p:grpSpPr>
+        <a:xfrm>
+          <a:off x="0" y="0"/>
+          <a:ext cx="0" cy="0"/>
+          <a:chOff x="0" y="0"/>
+          <a:chExt cx="0" cy="0"/>
+        </a:xfrm>
+      </p:grpSpPr>
+      <p:sp>
+        <p:nvSpPr>
+          <p:cNvPr id="2" name="Title 1"/>
+          <p:cNvSpPr>
+            <a:spLocks noGrp="1"/>
+          </p:cNvSpPr>
+          <p:nvPr>
+            <p:ph type="ctrTitle"/>
+          </p:nvPr>
+        </p:nvSpPr>
+        <p:spPr>
+          <a:xfrm>
+            <a:off x="685800" y="2481441"/>
+            <a:ext cx="7772400" cy="1470025"/>
+          </a:xfrm>
+        </p:spPr>
+        <p:txBody>
+          <a:bodyPr>
+            <a:normAutofit/>
+          </a:bodyPr>
+          <a:lstStyle/>
+          <a:p>
+            <a:pPr algn="l"/>
+            <a:r>
+              <a:rPr lang="en-US" dirty="0" smtClean="0">
+                <a:latin typeface="Helvetica"/>
+                <a:cs typeface="Helvetica"/>
+              </a:rPr>
+              <a:t>Yes, but some customers are more right than others.</a:t>
+            </a:r>
+            <a:endParaRPr lang="en-US" dirty="0">
+              <a:latin typeface="Helvetica"/>
+              <a:cs typeface="Helvetica"/>
+            </a:endParaRPr>
+          </a:p>
+        </p:txBody>
+      </p:sp>
+    </p:spTree>
+    <p:extLst>
+      <p:ext uri="{BB962C8B-B14F-4D97-AF65-F5344CB8AC3E}">
+        <p14:creationId xmlns:p14="http://schemas.microsoft.com/office/powerpoint/2010/main" val="4123185960"/>
+      </p:ext>
+    </p:extLst>
+  </p:cSld>
+  <p:clrMapOvr>
+    <a:masterClrMapping/>
+  </p:clrMapOvr>
+  <p:timing>
+    <p:tnLst>
+      <p:par>
+        <p:cTn xmlns:p14="http://schemas.microsoft.com/office/powerpoint/2010/main" id="1" dur="indefinite" restart="never" nodeType="tmRoot"/>
+      </p:par>
+    </p:tnLst>
+  </p:timing>
+</p:sld>
+</file>
+
+<file path=ppt/slides/slide18.xml><?xml version="1.0" encoding="utf-8"?>
+<p:sld xmlns:a="http://schemas.openxmlformats.org/drawingml/2006/main" xmlns:r="http://schemas.openxmlformats.org/officeDocument/2006/relationships" xmlns:p="http://schemas.openxmlformats.org/presentationml/2006/main">
+  <p:cSld>
+    <p:spTree>
+      <p:nvGrpSpPr>
+        <p:cNvPr id="1" name=""/>
+        <p:cNvGrpSpPr/>
+        <p:nvPr/>
+      </p:nvGrpSpPr>
+      <p:grpSpPr>
+        <a:xfrm>
+          <a:off x="0" y="0"/>
+          <a:ext cx="0" cy="0"/>
+          <a:chOff x="0" y="0"/>
+          <a:chExt cx="0" cy="0"/>
+        </a:xfrm>
+      </p:grpSpPr>
+      <p:sp>
+        <p:nvSpPr>
+          <p:cNvPr id="2" name="Title 1"/>
+          <p:cNvSpPr>
+            <a:spLocks noGrp="1"/>
+          </p:cNvSpPr>
+          <p:nvPr>
+            <p:ph type="ctrTitle"/>
+          </p:nvPr>
+        </p:nvSpPr>
+        <p:spPr>
+          <a:xfrm>
+            <a:off x="685800" y="2481441"/>
+            <a:ext cx="7772400" cy="1470025"/>
+          </a:xfrm>
+        </p:spPr>
+        <p:txBody>
+          <a:bodyPr>
+            <a:normAutofit/>
+          </a:bodyPr>
+          <a:lstStyle/>
+          <a:p>
+            <a:r>
+              <a:rPr lang="en-US" dirty="0" smtClean="0">
+                <a:latin typeface="Helvetica"/>
+                <a:cs typeface="Helvetica"/>
+              </a:rPr>
+              <a:t>Thank you</a:t>
+            </a:r>
+            <a:endParaRPr lang="en-US" dirty="0">
+              <a:latin typeface="Helvetica"/>
+              <a:cs typeface="Helvetica"/>
+            </a:endParaRPr>
+          </a:p>
+        </p:txBody>
+      </p:sp>
+    </p:spTree>
+    <p:extLst>
+      <p:ext uri="{BB962C8B-B14F-4D97-AF65-F5344CB8AC3E}">
+        <p14:creationId xmlns:p14="http://schemas.microsoft.com/office/powerpoint/2010/main" val="4123185960"/>
+      </p:ext>
+    </p:extLst>
+  </p:cSld>
+  <p:clrMapOvr>
+    <a:masterClrMapping/>
+  </p:clrMapOvr>
+  <p:timing>
+    <p:tnLst>
+      <p:par>
+        <p:cTn xmlns:p14="http://schemas.microsoft.com/office/powerpoint/2010/main" id="1" dur="indefinite" restart="never" nodeType="tmRoot"/>
+      </p:par>
+    </p:tnLst>
+  </p:timing>
+</p:sld>
+</file>
+
+<file path=ppt/slides/slide19.xml><?xml version="1.0" encoding="utf-8"?>
+<p:sld xmlns:a="http://schemas.openxmlformats.org/drawingml/2006/main" xmlns:r="http://schemas.openxmlformats.org/officeDocument/2006/relationships" xmlns:p="http://schemas.openxmlformats.org/presentationml/2006/main">
+  <p:cSld>
+    <p:spTree>
+      <p:nvGrpSpPr>
+        <p:cNvPr id="1" name=""/>
+        <p:cNvGrpSpPr/>
+        <p:nvPr/>
+      </p:nvGrpSpPr>
+      <p:grpSpPr>
+        <a:xfrm>
+          <a:off x="0" y="0"/>
+          <a:ext cx="0" cy="0"/>
+          <a:chOff x="0" y="0"/>
+          <a:chExt cx="0" cy="0"/>
+        </a:xfrm>
+      </p:grpSpPr>
+      <p:sp>
+        <p:nvSpPr>
+          <p:cNvPr id="2" name="Title 1"/>
+          <p:cNvSpPr>
+            <a:spLocks noGrp="1"/>
+          </p:cNvSpPr>
+          <p:nvPr>
+            <p:ph type="ctrTitle"/>
+          </p:nvPr>
+        </p:nvSpPr>
+        <p:spPr>
+          <a:xfrm>
+            <a:off x="685800" y="2501867"/>
+            <a:ext cx="7772400" cy="1470025"/>
+          </a:xfrm>
+        </p:spPr>
+        <p:txBody>
+          <a:bodyPr/>
+          <a:lstStyle/>
+          <a:p>
+            <a:r>
+              <a:rPr lang="en-US" dirty="0" smtClean="0">
+                <a:latin typeface="Helvetica"/>
+                <a:cs typeface="Helvetica"/>
+              </a:rPr>
+              <a:t>Appendix</a:t>
+            </a:r>
+            <a:endParaRPr lang="en-US" dirty="0">
+              <a:latin typeface="Helvetica"/>
+              <a:cs typeface="Helvetica"/>
+            </a:endParaRPr>
+          </a:p>
+        </p:txBody>
+      </p:sp>
+    </p:spTree>
+    <p:extLst>
+      <p:ext uri="{BB962C8B-B14F-4D97-AF65-F5344CB8AC3E}">
+        <p14:creationId xmlns:p14="http://schemas.microsoft.com/office/powerpoint/2010/main" val="3809918589"/>
       </p:ext>
     </p:extLst>
   </p:cSld>
@@ -3579,57 +5834,684 @@
             <a:spLocks noGrp="1"/>
           </p:cNvSpPr>
           <p:nvPr>
-            <p:ph type="title"/>
-          </p:nvPr>
-        </p:nvSpPr>
-        <p:spPr/>
-        <p:txBody>
-          <a:bodyPr/>
-          <a:lstStyle/>
-          <a:p>
-            <a:r>
-              <a:rPr lang="en-US" dirty="0" smtClean="0"/>
-              <a:t>Agenda</a:t>
-            </a:r>
-            <a:endParaRPr lang="en-US" dirty="0"/>
-          </a:p>
-        </p:txBody>
-      </p:sp>
-      <p:sp>
-        <p:nvSpPr>
-          <p:cNvPr id="3" name="Content Placeholder 2"/>
-          <p:cNvSpPr>
-            <a:spLocks noGrp="1"/>
-          </p:cNvSpPr>
-          <p:nvPr>
-            <p:ph idx="1"/>
-          </p:nvPr>
-        </p:nvSpPr>
-        <p:spPr/>
+            <p:ph type="ctrTitle"/>
+          </p:nvPr>
+        </p:nvSpPr>
+        <p:spPr>
+          <a:xfrm>
+            <a:off x="293450" y="385447"/>
+            <a:ext cx="3854752" cy="3166243"/>
+          </a:xfrm>
+        </p:spPr>
         <p:txBody>
           <a:bodyPr>
-            <a:normAutofit/>
+            <a:normAutofit fontScale="90000"/>
           </a:bodyPr>
           <a:lstStyle/>
           <a:p>
-            <a:r>
-              <a:rPr lang="en-US" dirty="0" smtClean="0"/>
-              <a:t>Loss Aversion</a:t>
-            </a:r>
-          </a:p>
-          <a:p>
-            <a:r>
-              <a:rPr lang="en-US" dirty="0" smtClean="0"/>
-              <a:t>The Halo Effect</a:t>
-            </a:r>
-            <a:endParaRPr lang="en-US" dirty="0"/>
+            <a:pPr algn="l"/>
+            <a:r>
+              <a:rPr lang="en-US" dirty="0" smtClean="0">
+                <a:latin typeface="Helvetica"/>
+                <a:cs typeface="Helvetica"/>
+              </a:rPr>
+              <a:t>Within the </a:t>
+            </a:r>
+            <a:r>
+              <a:rPr lang="en-US" dirty="0" smtClean="0">
+                <a:latin typeface="Helvetica"/>
+                <a:cs typeface="Helvetica"/>
+              </a:rPr>
+              <a:t>U.S., the s</a:t>
+            </a:r>
+            <a:r>
+              <a:rPr lang="en-US" dirty="0" smtClean="0">
+                <a:latin typeface="Helvetica"/>
+                <a:cs typeface="Helvetica"/>
+              </a:rPr>
+              <a:t>logan is often attributed to Marshall Fields</a:t>
+            </a:r>
+            <a:r>
+              <a:rPr lang="en-US" dirty="0">
+                <a:latin typeface="Helvetica"/>
+                <a:cs typeface="Helvetica"/>
+              </a:rPr>
+              <a:t>.</a:t>
+            </a:r>
+            <a:endParaRPr lang="en-US" dirty="0">
+              <a:latin typeface="Helvetica"/>
+              <a:cs typeface="Helvetica"/>
+            </a:endParaRPr>
+          </a:p>
+        </p:txBody>
+      </p:sp>
+      <p:pic>
+        <p:nvPicPr>
+          <p:cNvPr id="6" name="Picture 5"/>
+          <p:cNvPicPr>
+            <a:picLocks noChangeAspect="1"/>
+          </p:cNvPicPr>
+          <p:nvPr/>
+        </p:nvPicPr>
+        <p:blipFill rotWithShape="1">
+          <a:blip r:embed="rId2"/>
+          <a:srcRect l="3484" r="3024"/>
+          <a:stretch/>
+        </p:blipFill>
+        <p:spPr>
+          <a:xfrm>
+            <a:off x="4181591" y="-9950"/>
+            <a:ext cx="4986932" cy="6867950"/>
+          </a:xfrm>
+          <a:prstGeom prst="rect">
+            <a:avLst/>
+          </a:prstGeom>
+        </p:spPr>
+      </p:pic>
+      <p:sp>
+        <p:nvSpPr>
+          <p:cNvPr id="9" name="Rectangle 8"/>
+          <p:cNvSpPr/>
+          <p:nvPr/>
+        </p:nvSpPr>
+        <p:spPr>
+          <a:xfrm>
+            <a:off x="396702" y="4654499"/>
+            <a:ext cx="3289291" cy="923330"/>
+          </a:xfrm>
+          <a:prstGeom prst="rect">
+            <a:avLst/>
+          </a:prstGeom>
+        </p:spPr>
+        <p:txBody>
+          <a:bodyPr wrap="square">
+            <a:spAutoFit/>
+          </a:bodyPr>
+          <a:lstStyle/>
+          <a:p>
+            <a:r>
+              <a:rPr lang="en-US" dirty="0" smtClean="0">
+                <a:latin typeface="Helvetica"/>
+                <a:cs typeface="Helvetica"/>
+              </a:rPr>
+              <a:t>“Assume </a:t>
+            </a:r>
+            <a:r>
+              <a:rPr lang="en-US" dirty="0">
+                <a:latin typeface="Helvetica"/>
+                <a:cs typeface="Helvetica"/>
+              </a:rPr>
+              <a:t>that the customer is right until it is plain beyond all question he is not</a:t>
+            </a:r>
+            <a:r>
+              <a:rPr lang="en-US" dirty="0" smtClean="0">
+                <a:latin typeface="Helvetica"/>
+                <a:cs typeface="Helvetica"/>
+              </a:rPr>
+              <a:t>.”</a:t>
+            </a:r>
+            <a:endParaRPr lang="en-US" dirty="0">
+              <a:latin typeface="Helvetica"/>
+              <a:cs typeface="Helvetica"/>
+            </a:endParaRPr>
           </a:p>
         </p:txBody>
       </p:sp>
     </p:spTree>
     <p:extLst>
       <p:ext uri="{BB962C8B-B14F-4D97-AF65-F5344CB8AC3E}">
-        <p14:creationId xmlns:p14="http://schemas.microsoft.com/office/powerpoint/2010/main" val="1928307008"/>
+        <p14:creationId xmlns:p14="http://schemas.microsoft.com/office/powerpoint/2010/main" val="1879339793"/>
+      </p:ext>
+    </p:extLst>
+  </p:cSld>
+  <p:clrMapOvr>
+    <a:masterClrMapping/>
+  </p:clrMapOvr>
+  <p:timing>
+    <p:tnLst>
+      <p:par>
+        <p:cTn xmlns:p14="http://schemas.microsoft.com/office/powerpoint/2010/main" id="1" dur="indefinite" restart="never" nodeType="tmRoot"/>
+      </p:par>
+    </p:tnLst>
+  </p:timing>
+</p:sld>
+</file>
+
+<file path=ppt/slides/slide20.xml><?xml version="1.0" encoding="utf-8"?>
+<p:sld xmlns:a="http://schemas.openxmlformats.org/drawingml/2006/main" xmlns:r="http://schemas.openxmlformats.org/officeDocument/2006/relationships" xmlns:p="http://schemas.openxmlformats.org/presentationml/2006/main">
+  <p:cSld>
+    <p:spTree>
+      <p:nvGrpSpPr>
+        <p:cNvPr id="1" name=""/>
+        <p:cNvGrpSpPr/>
+        <p:nvPr/>
+      </p:nvGrpSpPr>
+      <p:grpSpPr>
+        <a:xfrm>
+          <a:off x="0" y="0"/>
+          <a:ext cx="0" cy="0"/>
+          <a:chOff x="0" y="0"/>
+          <a:chExt cx="0" cy="0"/>
+        </a:xfrm>
+      </p:grpSpPr>
+      <p:sp>
+        <p:nvSpPr>
+          <p:cNvPr id="2" name="Title 1"/>
+          <p:cNvSpPr>
+            <a:spLocks noGrp="1"/>
+          </p:cNvSpPr>
+          <p:nvPr>
+            <p:ph type="title"/>
+          </p:nvPr>
+        </p:nvSpPr>
+        <p:spPr/>
+        <p:txBody>
+          <a:bodyPr/>
+          <a:lstStyle/>
+          <a:p>
+            <a:r>
+              <a:rPr lang="en-US" dirty="0" smtClean="0"/>
+              <a:t>Parts of Speech</a:t>
+            </a:r>
+            <a:endParaRPr lang="en-US" dirty="0"/>
+          </a:p>
+        </p:txBody>
+      </p:sp>
+      <p:pic>
+        <p:nvPicPr>
+          <p:cNvPr id="8" name="Picture 7" descr="Screen Shot 2015-10-19 at 12.07.58 AM.png"/>
+          <p:cNvPicPr>
+            <a:picLocks noChangeAspect="1"/>
+          </p:cNvPicPr>
+          <p:nvPr/>
+        </p:nvPicPr>
+        <p:blipFill>
+          <a:blip r:embed="rId2">
+            <a:extLst>
+              <a:ext uri="{28A0092B-C50C-407E-A947-70E740481C1C}">
+                <a14:useLocalDpi xmlns:a14="http://schemas.microsoft.com/office/drawing/2010/main" val="0"/>
+              </a:ext>
+            </a:extLst>
+          </a:blip>
+          <a:stretch>
+            <a:fillRect/>
+          </a:stretch>
+        </p:blipFill>
+        <p:spPr>
+          <a:xfrm>
+            <a:off x="1295400" y="1574800"/>
+            <a:ext cx="6540500" cy="3695700"/>
+          </a:xfrm>
+          <a:prstGeom prst="rect">
+            <a:avLst/>
+          </a:prstGeom>
+        </p:spPr>
+      </p:pic>
+      <p:sp>
+        <p:nvSpPr>
+          <p:cNvPr id="9" name="TextBox 8"/>
+          <p:cNvSpPr txBox="1"/>
+          <p:nvPr/>
+        </p:nvSpPr>
+        <p:spPr>
+          <a:xfrm>
+            <a:off x="2502958" y="5506150"/>
+            <a:ext cx="4094659" cy="253916"/>
+          </a:xfrm>
+          <a:prstGeom prst="rect">
+            <a:avLst/>
+          </a:prstGeom>
+          <a:noFill/>
+        </p:spPr>
+        <p:txBody>
+          <a:bodyPr wrap="square" rtlCol="0">
+            <a:spAutoFit/>
+          </a:bodyPr>
+          <a:lstStyle/>
+          <a:p>
+            <a:pPr algn="ctr"/>
+            <a:r>
+              <a:rPr lang="en-US" sz="1050" b="1" dirty="0"/>
+              <a:t>https://</a:t>
+            </a:r>
+            <a:r>
+              <a:rPr lang="en-US" sz="1050" b="1" dirty="0" err="1"/>
+              <a:t>github.com</a:t>
+            </a:r>
+            <a:r>
+              <a:rPr lang="en-US" sz="1050" b="1" dirty="0"/>
+              <a:t>/</a:t>
+            </a:r>
+            <a:r>
+              <a:rPr lang="en-US" sz="1050" b="1" dirty="0" err="1"/>
+              <a:t>josiahdavis</a:t>
+            </a:r>
+            <a:r>
+              <a:rPr lang="en-US" sz="1050" b="1" dirty="0"/>
+              <a:t>/earl/blob/master/</a:t>
+            </a:r>
+            <a:r>
+              <a:rPr lang="en-US" sz="1050" b="1" dirty="0" err="1"/>
+              <a:t>posTagger.R</a:t>
+            </a:r>
+            <a:endParaRPr lang="en-US" sz="1050" b="1" dirty="0" smtClean="0"/>
+          </a:p>
+        </p:txBody>
+      </p:sp>
+    </p:spTree>
+    <p:extLst>
+      <p:ext uri="{BB962C8B-B14F-4D97-AF65-F5344CB8AC3E}">
+        <p14:creationId xmlns:p14="http://schemas.microsoft.com/office/powerpoint/2010/main" val="3358967996"/>
+      </p:ext>
+    </p:extLst>
+  </p:cSld>
+  <p:clrMapOvr>
+    <a:masterClrMapping/>
+  </p:clrMapOvr>
+</p:sld>
+</file>
+
+<file path=ppt/slides/slide21.xml><?xml version="1.0" encoding="utf-8"?>
+<p:sld xmlns:a="http://schemas.openxmlformats.org/drawingml/2006/main" xmlns:r="http://schemas.openxmlformats.org/officeDocument/2006/relationships" xmlns:p="http://schemas.openxmlformats.org/presentationml/2006/main">
+  <p:cSld>
+    <p:spTree>
+      <p:nvGrpSpPr>
+        <p:cNvPr id="1" name=""/>
+        <p:cNvGrpSpPr/>
+        <p:nvPr/>
+      </p:nvGrpSpPr>
+      <p:grpSpPr>
+        <a:xfrm>
+          <a:off x="0" y="0"/>
+          <a:ext cx="0" cy="0"/>
+          <a:chOff x="0" y="0"/>
+          <a:chExt cx="0" cy="0"/>
+        </a:xfrm>
+      </p:grpSpPr>
+      <p:sp>
+        <p:nvSpPr>
+          <p:cNvPr id="2" name="Title 1"/>
+          <p:cNvSpPr>
+            <a:spLocks noGrp="1"/>
+          </p:cNvSpPr>
+          <p:nvPr>
+            <p:ph type="title"/>
+          </p:nvPr>
+        </p:nvSpPr>
+        <p:spPr/>
+        <p:txBody>
+          <a:bodyPr/>
+          <a:lstStyle/>
+          <a:p>
+            <a:r>
+              <a:rPr lang="en-US" dirty="0" smtClean="0"/>
+              <a:t>Tokenization</a:t>
+            </a:r>
+            <a:endParaRPr lang="en-US" dirty="0"/>
+          </a:p>
+        </p:txBody>
+      </p:sp>
+      <p:pic>
+        <p:nvPicPr>
+          <p:cNvPr id="5" name="Picture 4" descr="Screen Shot 2015-10-18 at 6.10.00 PM.png"/>
+          <p:cNvPicPr>
+            <a:picLocks noChangeAspect="1"/>
+          </p:cNvPicPr>
+          <p:nvPr/>
+        </p:nvPicPr>
+        <p:blipFill>
+          <a:blip r:embed="rId2">
+            <a:extLst>
+              <a:ext uri="{28A0092B-C50C-407E-A947-70E740481C1C}">
+                <a14:useLocalDpi xmlns:a14="http://schemas.microsoft.com/office/drawing/2010/main" val="0"/>
+              </a:ext>
+            </a:extLst>
+          </a:blip>
+          <a:stretch>
+            <a:fillRect/>
+          </a:stretch>
+        </p:blipFill>
+        <p:spPr>
+          <a:xfrm>
+            <a:off x="499745" y="1659217"/>
+            <a:ext cx="8144510" cy="4210558"/>
+          </a:xfrm>
+          <a:prstGeom prst="rect">
+            <a:avLst/>
+          </a:prstGeom>
+        </p:spPr>
+      </p:pic>
+      <p:sp>
+        <p:nvSpPr>
+          <p:cNvPr id="6" name="TextBox 5"/>
+          <p:cNvSpPr txBox="1"/>
+          <p:nvPr/>
+        </p:nvSpPr>
+        <p:spPr>
+          <a:xfrm>
+            <a:off x="2502958" y="6115266"/>
+            <a:ext cx="4094659" cy="253916"/>
+          </a:xfrm>
+          <a:prstGeom prst="rect">
+            <a:avLst/>
+          </a:prstGeom>
+          <a:noFill/>
+        </p:spPr>
+        <p:txBody>
+          <a:bodyPr wrap="square" rtlCol="0">
+            <a:spAutoFit/>
+          </a:bodyPr>
+          <a:lstStyle/>
+          <a:p>
+            <a:pPr algn="ctr"/>
+            <a:r>
+              <a:rPr lang="en-US" sz="1050" b="1" dirty="0"/>
+              <a:t>https://</a:t>
+            </a:r>
+            <a:r>
+              <a:rPr lang="en-US" sz="1050" b="1" dirty="0" err="1"/>
+              <a:t>github.com</a:t>
+            </a:r>
+            <a:r>
+              <a:rPr lang="en-US" sz="1050" b="1" dirty="0"/>
+              <a:t>/</a:t>
+            </a:r>
+            <a:r>
+              <a:rPr lang="en-US" sz="1050" b="1" dirty="0" err="1"/>
+              <a:t>josiahdavis</a:t>
+            </a:r>
+            <a:r>
+              <a:rPr lang="en-US" sz="1050" b="1" dirty="0"/>
+              <a:t>/earl/blob/master</a:t>
+            </a:r>
+            <a:r>
+              <a:rPr lang="en-US" sz="1050" b="1" dirty="0" smtClean="0"/>
+              <a:t>/</a:t>
+            </a:r>
+            <a:r>
+              <a:rPr lang="en-US" sz="1050" b="1" dirty="0" err="1" smtClean="0"/>
+              <a:t>dtm.R</a:t>
+            </a:r>
+            <a:endParaRPr lang="en-US" sz="1050" b="1" dirty="0" smtClean="0"/>
+          </a:p>
+        </p:txBody>
+      </p:sp>
+    </p:spTree>
+    <p:extLst>
+      <p:ext uri="{BB962C8B-B14F-4D97-AF65-F5344CB8AC3E}">
+        <p14:creationId xmlns:p14="http://schemas.microsoft.com/office/powerpoint/2010/main" val="306514694"/>
+      </p:ext>
+    </p:extLst>
+  </p:cSld>
+  <p:clrMapOvr>
+    <a:masterClrMapping/>
+  </p:clrMapOvr>
+</p:sld>
+</file>
+
+<file path=ppt/slides/slide22.xml><?xml version="1.0" encoding="utf-8"?>
+<p:sld xmlns:a="http://schemas.openxmlformats.org/drawingml/2006/main" xmlns:r="http://schemas.openxmlformats.org/officeDocument/2006/relationships" xmlns:p="http://schemas.openxmlformats.org/presentationml/2006/main">
+  <p:cSld>
+    <p:spTree>
+      <p:nvGrpSpPr>
+        <p:cNvPr id="1" name=""/>
+        <p:cNvGrpSpPr/>
+        <p:nvPr/>
+      </p:nvGrpSpPr>
+      <p:grpSpPr>
+        <a:xfrm>
+          <a:off x="0" y="0"/>
+          <a:ext cx="0" cy="0"/>
+          <a:chOff x="0" y="0"/>
+          <a:chExt cx="0" cy="0"/>
+        </a:xfrm>
+      </p:grpSpPr>
+      <p:sp>
+        <p:nvSpPr>
+          <p:cNvPr id="2" name="Title 1"/>
+          <p:cNvSpPr>
+            <a:spLocks noGrp="1"/>
+          </p:cNvSpPr>
+          <p:nvPr>
+            <p:ph type="title"/>
+          </p:nvPr>
+        </p:nvSpPr>
+        <p:spPr/>
+        <p:txBody>
+          <a:bodyPr/>
+          <a:lstStyle/>
+          <a:p>
+            <a:r>
+              <a:rPr lang="en-US" dirty="0" smtClean="0"/>
+              <a:t>Using a Custom Dictionary</a:t>
+            </a:r>
+            <a:endParaRPr lang="en-US" dirty="0"/>
+          </a:p>
+        </p:txBody>
+      </p:sp>
+      <p:pic>
+        <p:nvPicPr>
+          <p:cNvPr id="4" name="Picture 3" descr="Screen Shot 2015-10-18 at 6.13.08 PM.png"/>
+          <p:cNvPicPr>
+            <a:picLocks noChangeAspect="1"/>
+          </p:cNvPicPr>
+          <p:nvPr/>
+        </p:nvPicPr>
+        <p:blipFill>
+          <a:blip r:embed="rId2">
+            <a:extLst>
+              <a:ext uri="{28A0092B-C50C-407E-A947-70E740481C1C}">
+                <a14:useLocalDpi xmlns:a14="http://schemas.microsoft.com/office/drawing/2010/main" val="0"/>
+              </a:ext>
+            </a:extLst>
+          </a:blip>
+          <a:stretch>
+            <a:fillRect/>
+          </a:stretch>
+        </p:blipFill>
+        <p:spPr>
+          <a:xfrm>
+            <a:off x="608648" y="1806913"/>
+            <a:ext cx="7914005" cy="3519043"/>
+          </a:xfrm>
+          <a:prstGeom prst="rect">
+            <a:avLst/>
+          </a:prstGeom>
+        </p:spPr>
+      </p:pic>
+      <p:sp>
+        <p:nvSpPr>
+          <p:cNvPr id="6" name="TextBox 5"/>
+          <p:cNvSpPr txBox="1"/>
+          <p:nvPr/>
+        </p:nvSpPr>
+        <p:spPr>
+          <a:xfrm>
+            <a:off x="2502958" y="5506150"/>
+            <a:ext cx="4094659" cy="253916"/>
+          </a:xfrm>
+          <a:prstGeom prst="rect">
+            <a:avLst/>
+          </a:prstGeom>
+          <a:noFill/>
+        </p:spPr>
+        <p:txBody>
+          <a:bodyPr wrap="square" rtlCol="0">
+            <a:spAutoFit/>
+          </a:bodyPr>
+          <a:lstStyle/>
+          <a:p>
+            <a:pPr algn="ctr"/>
+            <a:r>
+              <a:rPr lang="en-US" sz="1050" b="1" dirty="0"/>
+              <a:t>https://</a:t>
+            </a:r>
+            <a:r>
+              <a:rPr lang="en-US" sz="1050" b="1" dirty="0" err="1"/>
+              <a:t>github.com</a:t>
+            </a:r>
+            <a:r>
+              <a:rPr lang="en-US" sz="1050" b="1" dirty="0"/>
+              <a:t>/</a:t>
+            </a:r>
+            <a:r>
+              <a:rPr lang="en-US" sz="1050" b="1" dirty="0" err="1"/>
+              <a:t>josiahdavis</a:t>
+            </a:r>
+            <a:r>
+              <a:rPr lang="en-US" sz="1050" b="1" dirty="0"/>
+              <a:t>/earl/blob/master</a:t>
+            </a:r>
+            <a:r>
+              <a:rPr lang="en-US" sz="1050" b="1" dirty="0" smtClean="0"/>
+              <a:t>/</a:t>
+            </a:r>
+            <a:r>
+              <a:rPr lang="en-US" sz="1050" b="1" dirty="0" err="1" smtClean="0"/>
+              <a:t>dictionary.R</a:t>
+            </a:r>
+            <a:endParaRPr lang="en-US" sz="1050" b="1" dirty="0" smtClean="0"/>
+          </a:p>
+        </p:txBody>
+      </p:sp>
+    </p:spTree>
+    <p:extLst>
+      <p:ext uri="{BB962C8B-B14F-4D97-AF65-F5344CB8AC3E}">
+        <p14:creationId xmlns:p14="http://schemas.microsoft.com/office/powerpoint/2010/main" val="1336625465"/>
+      </p:ext>
+    </p:extLst>
+  </p:cSld>
+  <p:clrMapOvr>
+    <a:masterClrMapping/>
+  </p:clrMapOvr>
+</p:sld>
+</file>
+
+<file path=ppt/slides/slide23.xml><?xml version="1.0" encoding="utf-8"?>
+<p:sld xmlns:a="http://schemas.openxmlformats.org/drawingml/2006/main" xmlns:r="http://schemas.openxmlformats.org/officeDocument/2006/relationships" xmlns:p="http://schemas.openxmlformats.org/presentationml/2006/main">
+  <p:cSld>
+    <p:spTree>
+      <p:nvGrpSpPr>
+        <p:cNvPr id="1" name=""/>
+        <p:cNvGrpSpPr/>
+        <p:nvPr/>
+      </p:nvGrpSpPr>
+      <p:grpSpPr>
+        <a:xfrm>
+          <a:off x="0" y="0"/>
+          <a:ext cx="0" cy="0"/>
+          <a:chOff x="0" y="0"/>
+          <a:chExt cx="0" cy="0"/>
+        </a:xfrm>
+      </p:grpSpPr>
+      <p:sp>
+        <p:nvSpPr>
+          <p:cNvPr id="2" name="Title 1"/>
+          <p:cNvSpPr>
+            <a:spLocks noGrp="1"/>
+          </p:cNvSpPr>
+          <p:nvPr>
+            <p:ph type="title"/>
+          </p:nvPr>
+        </p:nvSpPr>
+        <p:spPr/>
+        <p:txBody>
+          <a:bodyPr/>
+          <a:lstStyle/>
+          <a:p>
+            <a:r>
+              <a:rPr lang="en-US" dirty="0" smtClean="0"/>
+              <a:t>Sentiment Analysis</a:t>
+            </a:r>
+            <a:endParaRPr lang="en-US" dirty="0"/>
+          </a:p>
+        </p:txBody>
+      </p:sp>
+      <p:pic>
+        <p:nvPicPr>
+          <p:cNvPr id="4" name="Picture 3" descr="Screen Shot 2015-10-18 at 11.55.01 PM.png"/>
+          <p:cNvPicPr>
+            <a:picLocks noChangeAspect="1"/>
+          </p:cNvPicPr>
+          <p:nvPr/>
+        </p:nvPicPr>
+        <p:blipFill>
+          <a:blip r:embed="rId2">
+            <a:extLst>
+              <a:ext uri="{28A0092B-C50C-407E-A947-70E740481C1C}">
+                <a14:useLocalDpi xmlns:a14="http://schemas.microsoft.com/office/drawing/2010/main" val="0"/>
+              </a:ext>
+            </a:extLst>
+          </a:blip>
+          <a:stretch>
+            <a:fillRect/>
+          </a:stretch>
+        </p:blipFill>
+        <p:spPr>
+          <a:xfrm>
+            <a:off x="604520" y="2367280"/>
+            <a:ext cx="7934960" cy="2123440"/>
+          </a:xfrm>
+          <a:prstGeom prst="rect">
+            <a:avLst/>
+          </a:prstGeom>
+        </p:spPr>
+      </p:pic>
+      <p:sp>
+        <p:nvSpPr>
+          <p:cNvPr id="7" name="TextBox 6"/>
+          <p:cNvSpPr txBox="1"/>
+          <p:nvPr/>
+        </p:nvSpPr>
+        <p:spPr>
+          <a:xfrm>
+            <a:off x="2073018" y="4839000"/>
+            <a:ext cx="4954538" cy="283790"/>
+          </a:xfrm>
+          <a:prstGeom prst="rect">
+            <a:avLst/>
+          </a:prstGeom>
+          <a:noFill/>
+        </p:spPr>
+        <p:txBody>
+          <a:bodyPr wrap="square" rtlCol="0">
+            <a:spAutoFit/>
+          </a:bodyPr>
+          <a:lstStyle/>
+          <a:p>
+            <a:pPr algn="ctr"/>
+            <a:r>
+              <a:rPr lang="en-US" sz="1050" b="1" dirty="0"/>
+              <a:t>https://</a:t>
+            </a:r>
+            <a:r>
+              <a:rPr lang="en-US" sz="1050" b="1" dirty="0" err="1"/>
+              <a:t>github.com</a:t>
+            </a:r>
+            <a:r>
+              <a:rPr lang="en-US" sz="1050" b="1" dirty="0"/>
+              <a:t>/</a:t>
+            </a:r>
+            <a:r>
+              <a:rPr lang="en-US" sz="1050" b="1" dirty="0" err="1"/>
+              <a:t>josiahdavis</a:t>
+            </a:r>
+            <a:r>
+              <a:rPr lang="en-US" sz="1050" b="1" dirty="0"/>
+              <a:t>/earl/blob/master/</a:t>
+            </a:r>
+            <a:r>
+              <a:rPr lang="en-US" sz="1050" b="1" dirty="0" err="1"/>
+              <a:t>reviewSentiment.R</a:t>
+            </a:r>
+            <a:endParaRPr lang="en-US" sz="1050" b="1" dirty="0" smtClean="0"/>
+          </a:p>
+        </p:txBody>
+      </p:sp>
+    </p:spTree>
+    <p:extLst>
+      <p:ext uri="{BB962C8B-B14F-4D97-AF65-F5344CB8AC3E}">
+        <p14:creationId xmlns:p14="http://schemas.microsoft.com/office/powerpoint/2010/main" val="934758931"/>
       </p:ext>
     </p:extLst>
   </p:cSld>
@@ -3668,55 +6550,215 @@
         </p:nvSpPr>
         <p:spPr>
           <a:xfrm>
-            <a:off x="685800" y="2130425"/>
-            <a:ext cx="7772400" cy="1470025"/>
-          </a:xfrm>
-        </p:spPr>
-        <p:txBody>
-          <a:bodyPr/>
-          <a:lstStyle/>
-          <a:p>
-            <a:r>
-              <a:rPr lang="en-US" dirty="0" smtClean="0">
-                <a:latin typeface="Helvetica"/>
-                <a:cs typeface="Helvetica"/>
-              </a:rPr>
-              <a:t>Some customers are more right than others.</a:t>
-            </a:r>
-            <a:endParaRPr lang="en-US" dirty="0">
+            <a:off x="324425" y="829310"/>
+            <a:ext cx="3854752" cy="5210479"/>
+          </a:xfrm>
+        </p:spPr>
+        <p:txBody>
+          <a:bodyPr anchor="t" anchorCtr="0">
+            <a:noAutofit/>
+          </a:bodyPr>
+          <a:lstStyle/>
+          <a:p>
+            <a:pPr algn="l"/>
+            <a:r>
+              <a:rPr lang="en-US" sz="1800" dirty="0" smtClean="0">
+                <a:latin typeface="Helvetica"/>
+                <a:cs typeface="Helvetica"/>
+              </a:rPr>
+              <a:t>Marshall Field’s pioneered many retail practices now considered standard:</a:t>
+            </a:r>
+            <a:br>
+              <a:rPr lang="en-US" sz="1800" dirty="0" smtClean="0">
+                <a:latin typeface="Helvetica"/>
+                <a:cs typeface="Helvetica"/>
+              </a:rPr>
+            </a:br>
+            <a:r>
+              <a:rPr lang="en-US" sz="1800" dirty="0" smtClean="0">
+                <a:latin typeface="Helvetica"/>
+                <a:cs typeface="Helvetica"/>
+              </a:rPr>
+              <a:t/>
+            </a:r>
+            <a:br>
+              <a:rPr lang="en-US" sz="1800" dirty="0" smtClean="0">
+                <a:latin typeface="Helvetica"/>
+                <a:cs typeface="Helvetica"/>
+              </a:rPr>
+            </a:br>
+            <a:r>
+              <a:rPr lang="en-US" sz="1800" dirty="0" smtClean="0">
+                <a:latin typeface="Helvetica"/>
+                <a:cs typeface="Helvetica"/>
+              </a:rPr>
+              <a:t>- One-price price tag</a:t>
+            </a:r>
+            <a:br>
+              <a:rPr lang="en-US" sz="1800" dirty="0" smtClean="0">
+                <a:latin typeface="Helvetica"/>
+                <a:cs typeface="Helvetica"/>
+              </a:rPr>
+            </a:br>
+            <a:r>
+              <a:rPr lang="en-US" sz="1800" dirty="0" smtClean="0">
+                <a:latin typeface="Helvetica"/>
+                <a:cs typeface="Helvetica"/>
+              </a:rPr>
+              <a:t/>
+            </a:r>
+            <a:br>
+              <a:rPr lang="en-US" sz="1800" dirty="0" smtClean="0">
+                <a:latin typeface="Helvetica"/>
+                <a:cs typeface="Helvetica"/>
+              </a:rPr>
+            </a:br>
+            <a:r>
+              <a:rPr lang="en-US" sz="1800" dirty="0" smtClean="0">
+                <a:latin typeface="Helvetica"/>
+                <a:cs typeface="Helvetica"/>
+              </a:rPr>
+              <a:t>- Any product can be returned</a:t>
+            </a:r>
+            <a:br>
+              <a:rPr lang="en-US" sz="1800" dirty="0" smtClean="0">
+                <a:latin typeface="Helvetica"/>
+                <a:cs typeface="Helvetica"/>
+              </a:rPr>
+            </a:br>
+            <a:r>
+              <a:rPr lang="en-US" sz="1800" dirty="0" smtClean="0">
+                <a:latin typeface="Helvetica"/>
+                <a:cs typeface="Helvetica"/>
+              </a:rPr>
+              <a:t/>
+            </a:r>
+            <a:br>
+              <a:rPr lang="en-US" sz="1800" dirty="0" smtClean="0">
+                <a:latin typeface="Helvetica"/>
+                <a:cs typeface="Helvetica"/>
+              </a:rPr>
+            </a:br>
+            <a:r>
+              <a:rPr lang="en-US" sz="1800" dirty="0" smtClean="0">
+                <a:latin typeface="Helvetica"/>
+                <a:cs typeface="Helvetica"/>
+              </a:rPr>
+              <a:t>- No aggressive salespeople</a:t>
+            </a:r>
+            <a:br>
+              <a:rPr lang="en-US" sz="1800" dirty="0" smtClean="0">
+                <a:latin typeface="Helvetica"/>
+                <a:cs typeface="Helvetica"/>
+              </a:rPr>
+            </a:br>
+            <a:r>
+              <a:rPr lang="en-US" sz="1800" dirty="0" smtClean="0">
+                <a:latin typeface="Helvetica"/>
+                <a:cs typeface="Helvetica"/>
+              </a:rPr>
+              <a:t/>
+            </a:r>
+            <a:br>
+              <a:rPr lang="en-US" sz="1800" dirty="0" smtClean="0">
+                <a:latin typeface="Helvetica"/>
+                <a:cs typeface="Helvetica"/>
+              </a:rPr>
+            </a:br>
+            <a:r>
+              <a:rPr lang="en-US" sz="1800" dirty="0" smtClean="0">
+                <a:latin typeface="Helvetica"/>
+                <a:cs typeface="Helvetica"/>
+              </a:rPr>
+              <a:t>- Bridal registry</a:t>
+            </a:r>
+            <a:br>
+              <a:rPr lang="en-US" sz="1800" dirty="0" smtClean="0">
+                <a:latin typeface="Helvetica"/>
+                <a:cs typeface="Helvetica"/>
+              </a:rPr>
+            </a:br>
+            <a:r>
+              <a:rPr lang="en-US" sz="1800" dirty="0" smtClean="0">
+                <a:latin typeface="Helvetica"/>
+                <a:cs typeface="Helvetica"/>
+              </a:rPr>
+              <a:t/>
+            </a:r>
+            <a:br>
+              <a:rPr lang="en-US" sz="1800" dirty="0" smtClean="0">
+                <a:latin typeface="Helvetica"/>
+                <a:cs typeface="Helvetica"/>
+              </a:rPr>
+            </a:br>
+            <a:r>
+              <a:rPr lang="en-US" sz="1800" dirty="0" smtClean="0">
+                <a:latin typeface="Helvetica"/>
+                <a:cs typeface="Helvetica"/>
+              </a:rPr>
+              <a:t>- Personal Shopper</a:t>
+            </a:r>
+            <a:br>
+              <a:rPr lang="en-US" sz="1800" dirty="0" smtClean="0">
+                <a:latin typeface="Helvetica"/>
+                <a:cs typeface="Helvetica"/>
+              </a:rPr>
+            </a:br>
+            <a:r>
+              <a:rPr lang="en-US" sz="1800" dirty="0" smtClean="0">
+                <a:latin typeface="Helvetica"/>
+                <a:cs typeface="Helvetica"/>
+              </a:rPr>
+              <a:t/>
+            </a:r>
+            <a:br>
+              <a:rPr lang="en-US" sz="1800" dirty="0" smtClean="0">
+                <a:latin typeface="Helvetica"/>
+                <a:cs typeface="Helvetica"/>
+              </a:rPr>
+            </a:br>
+            <a:r>
+              <a:rPr lang="en-US" sz="1800" dirty="0" smtClean="0">
+                <a:latin typeface="Helvetica"/>
+                <a:cs typeface="Helvetica"/>
+              </a:rPr>
+              <a:t>- Escalators</a:t>
+            </a:r>
+            <a:endParaRPr lang="en-US" sz="1800" dirty="0">
               <a:latin typeface="Helvetica"/>
               <a:cs typeface="Helvetica"/>
             </a:endParaRPr>
           </a:p>
         </p:txBody>
       </p:sp>
-      <p:sp>
-        <p:nvSpPr>
-          <p:cNvPr id="4" name="Subtitle 3"/>
-          <p:cNvSpPr>
-            <a:spLocks noGrp="1"/>
-          </p:cNvSpPr>
-          <p:nvPr>
-            <p:ph type="subTitle" idx="1"/>
-          </p:nvPr>
-        </p:nvSpPr>
-        <p:spPr/>
-        <p:txBody>
-          <a:bodyPr/>
-          <a:lstStyle/>
-          <a:p>
-            <a:r>
-              <a:rPr lang="en-US" dirty="0" smtClean="0"/>
-              <a:t>My thesis.</a:t>
-            </a:r>
-            <a:endParaRPr lang="en-US" dirty="0"/>
-          </a:p>
-        </p:txBody>
-      </p:sp>
+      <p:pic>
+        <p:nvPicPr>
+          <p:cNvPr id="3" name="Picture 2"/>
+          <p:cNvPicPr>
+            <a:picLocks noChangeAspect="1"/>
+          </p:cNvPicPr>
+          <p:nvPr/>
+        </p:nvPicPr>
+        <p:blipFill>
+          <a:blip r:embed="rId3"/>
+          <a:stretch>
+            <a:fillRect/>
+          </a:stretch>
+        </p:blipFill>
+        <p:spPr>
+          <a:xfrm>
+            <a:off x="4401587" y="0"/>
+            <a:ext cx="4766936" cy="6864388"/>
+          </a:xfrm>
+          <a:prstGeom prst="rect">
+            <a:avLst/>
+          </a:prstGeom>
+        </p:spPr>
+      </p:pic>
     </p:spTree>
     <p:extLst>
       <p:ext uri="{BB962C8B-B14F-4D97-AF65-F5344CB8AC3E}">
-        <p14:creationId xmlns:p14="http://schemas.microsoft.com/office/powerpoint/2010/main" val="3243879079"/>
+        <p14:creationId xmlns:p14="http://schemas.microsoft.com/office/powerpoint/2010/main" val="111442609"/>
       </p:ext>
     </p:extLst>
   </p:cSld>
@@ -3762,34 +6804,37 @@
         </p:nvSpPr>
         <p:spPr>
           <a:xfrm>
-            <a:off x="685800" y="2130425"/>
+            <a:off x="685800" y="2501867"/>
             <a:ext cx="7772400" cy="1470025"/>
           </a:xfrm>
         </p:spPr>
         <p:txBody>
-          <a:bodyPr/>
-          <a:lstStyle/>
-          <a:p>
+          <a:bodyPr>
+            <a:normAutofit fontScale="90000"/>
+          </a:bodyPr>
+          <a:lstStyle/>
+          <a:p>
+            <a:pPr algn="l"/>
             <a:r>
               <a:rPr lang="en-US" dirty="0" smtClean="0">
                 <a:latin typeface="Helvetica"/>
                 <a:cs typeface="Helvetica"/>
               </a:rPr>
-              <a:t>Some customer feedback is more </a:t>
-            </a:r>
-            <a:r>
-              <a:rPr lang="en-US" b="1" dirty="0" smtClean="0">
-                <a:latin typeface="Helvetica"/>
-                <a:cs typeface="Helvetica"/>
-              </a:rPr>
-              <a:t>useful</a:t>
+              <a:t>The customer </a:t>
+            </a:r>
+            <a:r>
+              <a:rPr lang="en-US" i="1" dirty="0" smtClean="0">
+                <a:latin typeface="Helvetica"/>
+                <a:cs typeface="Helvetica"/>
+              </a:rPr>
+              <a:t>is</a:t>
             </a:r>
             <a:r>
               <a:rPr lang="en-US" dirty="0" smtClean="0">
                 <a:latin typeface="Helvetica"/>
                 <a:cs typeface="Helvetica"/>
               </a:rPr>
-              <a:t> than others.</a:t>
+              <a:t> always right, but all slogans deserve qualification.</a:t>
             </a:r>
             <a:endParaRPr lang="en-US" dirty="0">
               <a:latin typeface="Helvetica"/>
@@ -3798,33 +6843,10 @@
           </a:p>
         </p:txBody>
       </p:sp>
-      <p:sp>
-        <p:nvSpPr>
-          <p:cNvPr id="4" name="Subtitle 3"/>
-          <p:cNvSpPr>
-            <a:spLocks noGrp="1"/>
-          </p:cNvSpPr>
-          <p:nvPr>
-            <p:ph type="subTitle" idx="1"/>
-          </p:nvPr>
-        </p:nvSpPr>
-        <p:spPr/>
-        <p:txBody>
-          <a:bodyPr/>
-          <a:lstStyle/>
-          <a:p>
-            <a:r>
-              <a:rPr lang="en-US" dirty="0" smtClean="0"/>
-              <a:t>Tokenization</a:t>
-            </a:r>
-            <a:endParaRPr lang="en-US" dirty="0"/>
-          </a:p>
-        </p:txBody>
-      </p:sp>
     </p:spTree>
     <p:extLst>
       <p:ext uri="{BB962C8B-B14F-4D97-AF65-F5344CB8AC3E}">
-        <p14:creationId xmlns:p14="http://schemas.microsoft.com/office/powerpoint/2010/main" val="1879339793"/>
+        <p14:creationId xmlns:p14="http://schemas.microsoft.com/office/powerpoint/2010/main" val="1676601427"/>
       </p:ext>
     </p:extLst>
   </p:cSld>
@@ -3860,64 +6882,66 @@
       </p:grpSpPr>
       <p:sp>
         <p:nvSpPr>
-          <p:cNvPr id="4" name="Subtitle 3"/>
-          <p:cNvSpPr>
-            <a:spLocks noGrp="1"/>
-          </p:cNvSpPr>
-          <p:nvPr>
-            <p:ph type="subTitle" idx="1"/>
+          <p:cNvPr id="2" name="Title 1"/>
+          <p:cNvSpPr>
+            <a:spLocks noGrp="1"/>
+          </p:cNvSpPr>
+          <p:nvPr>
+            <p:ph type="ctrTitle"/>
           </p:nvPr>
         </p:nvSpPr>
         <p:spPr>
           <a:xfrm>
-            <a:off x="1371600" y="3886200"/>
-            <a:ext cx="6400800" cy="2352268"/>
+            <a:off x="685800" y="2501867"/>
+            <a:ext cx="7772400" cy="1470025"/>
           </a:xfrm>
         </p:spPr>
         <p:txBody>
           <a:bodyPr>
-            <a:normAutofit fontScale="92500" lnSpcReduction="20000"/>
+            <a:normAutofit/>
           </a:bodyPr>
           <a:lstStyle/>
           <a:p>
             <a:pPr algn="l"/>
             <a:r>
-              <a:rPr lang="en-US" dirty="0" smtClean="0"/>
-              <a:t>Tokenize words</a:t>
-            </a:r>
-          </a:p>
-          <a:p>
-            <a:pPr algn="l"/>
-            <a:r>
-              <a:rPr lang="en-US" dirty="0" smtClean="0"/>
-              <a:t>Remove </a:t>
-            </a:r>
-            <a:r>
-              <a:rPr lang="en-US" dirty="0" err="1" smtClean="0"/>
-              <a:t>stopwords</a:t>
-            </a:r>
-            <a:endParaRPr lang="en-US" dirty="0"/>
-          </a:p>
-          <a:p>
-            <a:pPr algn="l"/>
-            <a:r>
-              <a:rPr lang="en-US" dirty="0" smtClean="0"/>
-              <a:t>Tag and filter based on parts of speech</a:t>
-            </a:r>
-          </a:p>
-          <a:p>
-            <a:pPr algn="l"/>
-            <a:r>
-              <a:rPr lang="en-US" dirty="0" smtClean="0"/>
-              <a:t>Stem words</a:t>
-            </a:r>
+              <a:rPr lang="en-US" dirty="0" smtClean="0">
+                <a:latin typeface="Helvetica"/>
+                <a:cs typeface="Helvetica"/>
+              </a:rPr>
+              <a:t>Some </a:t>
+            </a:r>
+            <a:r>
+              <a:rPr lang="en-US" dirty="0" smtClean="0">
+                <a:latin typeface="Helvetica"/>
+                <a:cs typeface="Helvetica"/>
+              </a:rPr>
+              <a:t>customer feedback is more </a:t>
+            </a:r>
+            <a:r>
+              <a:rPr lang="en-US" b="1" dirty="0" smtClean="0">
+                <a:latin typeface="Helvetica"/>
+                <a:cs typeface="Helvetica"/>
+              </a:rPr>
+              <a:t>useful</a:t>
+            </a:r>
+            <a:r>
+              <a:rPr lang="en-US" dirty="0" smtClean="0">
+                <a:latin typeface="Helvetica"/>
+                <a:cs typeface="Helvetica"/>
+              </a:rPr>
+              <a:t> than others.</a:t>
+            </a:r>
+            <a:endParaRPr lang="en-US" dirty="0">
+              <a:latin typeface="Helvetica"/>
+              <a:cs typeface="Helvetica"/>
+            </a:endParaRPr>
           </a:p>
         </p:txBody>
       </p:sp>
     </p:spTree>
     <p:extLst>
       <p:ext uri="{BB962C8B-B14F-4D97-AF65-F5344CB8AC3E}">
-        <p14:creationId xmlns:p14="http://schemas.microsoft.com/office/powerpoint/2010/main" val="3714620681"/>
+        <p14:creationId xmlns:p14="http://schemas.microsoft.com/office/powerpoint/2010/main" val="205116325"/>
       </p:ext>
     </p:extLst>
   </p:cSld>
@@ -3963,69 +6987,133 @@
         </p:nvSpPr>
         <p:spPr>
           <a:xfrm>
-            <a:off x="685800" y="2130425"/>
-            <a:ext cx="7772400" cy="1470025"/>
-          </a:xfrm>
-        </p:spPr>
-        <p:txBody>
-          <a:bodyPr/>
-          <a:lstStyle/>
-          <a:p>
-            <a:r>
-              <a:rPr lang="en-US" dirty="0" smtClean="0">
-                <a:latin typeface="Helvetica"/>
-                <a:cs typeface="Helvetica"/>
-              </a:rPr>
-              <a:t>Some customer feedback is more </a:t>
-            </a:r>
-            <a:r>
-              <a:rPr lang="en-US" b="1" dirty="0" smtClean="0">
-                <a:latin typeface="Helvetica"/>
-                <a:cs typeface="Helvetica"/>
-              </a:rPr>
-              <a:t>Interesting </a:t>
-            </a:r>
-            <a:r>
-              <a:rPr lang="en-US" dirty="0" smtClean="0">
-                <a:latin typeface="Helvetica"/>
-                <a:cs typeface="Helvetica"/>
-              </a:rPr>
-              <a:t>than others.</a:t>
-            </a:r>
-            <a:endParaRPr lang="en-US" dirty="0">
-              <a:latin typeface="Helvetica"/>
-              <a:cs typeface="Helvetica"/>
-            </a:endParaRPr>
-          </a:p>
-        </p:txBody>
-      </p:sp>
-      <p:sp>
-        <p:nvSpPr>
-          <p:cNvPr id="4" name="Subtitle 3"/>
-          <p:cNvSpPr>
-            <a:spLocks noGrp="1"/>
-          </p:cNvSpPr>
-          <p:nvPr>
-            <p:ph type="subTitle" idx="1"/>
-          </p:nvPr>
-        </p:nvSpPr>
-        <p:spPr/>
-        <p:txBody>
-          <a:bodyPr/>
-          <a:lstStyle/>
-          <a:p>
-            <a:r>
-              <a:rPr lang="en-US" dirty="0" smtClean="0"/>
-              <a:t>Tokenization</a:t>
-            </a:r>
-            <a:endParaRPr lang="en-US" dirty="0"/>
+            <a:off x="685800" y="850188"/>
+            <a:ext cx="7772400" cy="5210055"/>
+          </a:xfrm>
+        </p:spPr>
+        <p:txBody>
+          <a:bodyPr>
+            <a:normAutofit/>
+          </a:bodyPr>
+          <a:lstStyle/>
+          <a:p>
+            <a:pPr algn="l"/>
+            <a:r>
+              <a:rPr lang="en-US" sz="4000" b="1" dirty="0" smtClean="0">
+                <a:solidFill>
+                  <a:srgbClr val="FF0000"/>
+                </a:solidFill>
+                <a:latin typeface="Helvetica"/>
+                <a:cs typeface="Helvetica"/>
+              </a:rPr>
+              <a:t>Challenge</a:t>
+            </a:r>
+            <a:r>
+              <a:rPr lang="en-US" sz="2800" dirty="0" smtClean="0">
+                <a:solidFill>
+                  <a:srgbClr val="FF0000"/>
+                </a:solidFill>
+                <a:latin typeface="Helvetica"/>
+                <a:cs typeface="Helvetica"/>
+              </a:rPr>
+              <a:t/>
+            </a:r>
+            <a:br>
+              <a:rPr lang="en-US" sz="2800" dirty="0" smtClean="0">
+                <a:solidFill>
+                  <a:srgbClr val="FF0000"/>
+                </a:solidFill>
+                <a:latin typeface="Helvetica"/>
+                <a:cs typeface="Helvetica"/>
+              </a:rPr>
+            </a:br>
+            <a:r>
+              <a:rPr lang="en-US" sz="2800" dirty="0" smtClean="0">
+                <a:latin typeface="Helvetica"/>
+                <a:cs typeface="Helvetica"/>
+              </a:rPr>
+              <a:t>The volume and unstructured nature of textual information makes text mining a formidable task. </a:t>
+            </a:r>
+            <a:r>
+              <a:rPr lang="en-US" sz="2800" dirty="0">
+                <a:latin typeface="Helvetica"/>
+                <a:cs typeface="Helvetica"/>
+              </a:rPr>
+              <a:t/>
+            </a:r>
+            <a:br>
+              <a:rPr lang="en-US" sz="2800" dirty="0">
+                <a:latin typeface="Helvetica"/>
+                <a:cs typeface="Helvetica"/>
+              </a:rPr>
+            </a:br>
+            <a:r>
+              <a:rPr lang="en-US" sz="2800" dirty="0" smtClean="0">
+                <a:latin typeface="Helvetica"/>
+                <a:cs typeface="Helvetica"/>
+              </a:rPr>
+              <a:t/>
+            </a:r>
+            <a:br>
+              <a:rPr lang="en-US" sz="2800" dirty="0" smtClean="0">
+                <a:latin typeface="Helvetica"/>
+                <a:cs typeface="Helvetica"/>
+              </a:rPr>
+            </a:br>
+            <a:r>
+              <a:rPr lang="en-US" sz="2800" dirty="0" smtClean="0">
+                <a:latin typeface="Helvetica"/>
+                <a:cs typeface="Helvetica"/>
+              </a:rPr>
+              <a:t/>
+            </a:r>
+            <a:br>
+              <a:rPr lang="en-US" sz="2800" dirty="0" smtClean="0">
+                <a:latin typeface="Helvetica"/>
+                <a:cs typeface="Helvetica"/>
+              </a:rPr>
+            </a:br>
+            <a:r>
+              <a:rPr lang="en-US" sz="4000" b="1" dirty="0" smtClean="0">
+                <a:solidFill>
+                  <a:srgbClr val="008000"/>
+                </a:solidFill>
+                <a:latin typeface="Helvetica"/>
+                <a:cs typeface="Helvetica"/>
+              </a:rPr>
+              <a:t>Insight</a:t>
+            </a:r>
+            <a:r>
+              <a:rPr lang="en-US" sz="2800" b="1" dirty="0" smtClean="0">
+                <a:solidFill>
+                  <a:srgbClr val="008000"/>
+                </a:solidFill>
+                <a:latin typeface="Helvetica"/>
+                <a:cs typeface="Helvetica"/>
+              </a:rPr>
+              <a:t/>
+            </a:r>
+            <a:br>
+              <a:rPr lang="en-US" sz="2800" b="1" dirty="0" smtClean="0">
+                <a:solidFill>
+                  <a:srgbClr val="008000"/>
+                </a:solidFill>
+                <a:latin typeface="Helvetica"/>
+                <a:cs typeface="Helvetica"/>
+              </a:rPr>
+            </a:br>
+            <a:r>
+              <a:rPr lang="en-US" sz="2800" dirty="0" smtClean="0"/>
+              <a:t>Structured data can be used to frame the analysis of unstructured data.</a:t>
+            </a:r>
+            <a:endParaRPr lang="en-US" sz="2800" dirty="0"/>
           </a:p>
         </p:txBody>
       </p:sp>
     </p:spTree>
     <p:extLst>
       <p:ext uri="{BB962C8B-B14F-4D97-AF65-F5344CB8AC3E}">
-        <p14:creationId xmlns:p14="http://schemas.microsoft.com/office/powerpoint/2010/main" val="217881623"/>
+        <p14:creationId xmlns:p14="http://schemas.microsoft.com/office/powerpoint/2010/main" val="16079655"/>
       </p:ext>
     </p:extLst>
   </p:cSld>
@@ -4061,63 +7149,36 @@
       </p:grpSpPr>
       <p:sp>
         <p:nvSpPr>
-          <p:cNvPr id="4" name="Subtitle 3"/>
-          <p:cNvSpPr>
-            <a:spLocks noGrp="1"/>
-          </p:cNvSpPr>
-          <p:nvPr>
-            <p:ph type="subTitle" idx="1"/>
-          </p:nvPr>
+          <p:cNvPr id="18" name="TextBox 17"/>
+          <p:cNvSpPr txBox="1"/>
+          <p:nvPr/>
         </p:nvSpPr>
         <p:spPr>
           <a:xfrm>
-            <a:off x="1371600" y="3886200"/>
-            <a:ext cx="6400800" cy="2352268"/>
-          </a:xfrm>
-        </p:spPr>
-        <p:txBody>
-          <a:bodyPr>
-            <a:normAutofit fontScale="92500" lnSpcReduction="20000"/>
+            <a:off x="19128" y="5795493"/>
+            <a:ext cx="1452019" cy="415498"/>
+          </a:xfrm>
+          <a:prstGeom prst="rect">
+            <a:avLst/>
+          </a:prstGeom>
+          <a:noFill/>
+        </p:spPr>
+        <p:txBody>
+          <a:bodyPr wrap="square" rtlCol="0">
+            <a:spAutoFit/>
           </a:bodyPr>
           <a:lstStyle/>
           <a:p>
-            <a:pPr algn="l"/>
-            <a:r>
-              <a:rPr lang="en-US" dirty="0" smtClean="0"/>
-              <a:t>Tokenize words</a:t>
-            </a:r>
-          </a:p>
-          <a:p>
-            <a:pPr algn="l"/>
-            <a:r>
-              <a:rPr lang="en-US" dirty="0" smtClean="0"/>
-              <a:t>Remove </a:t>
-            </a:r>
-            <a:r>
-              <a:rPr lang="en-US" dirty="0" err="1" smtClean="0"/>
-              <a:t>stopwords</a:t>
-            </a:r>
-            <a:endParaRPr lang="en-US" dirty="0"/>
-          </a:p>
-          <a:p>
-            <a:pPr algn="l"/>
-            <a:r>
-              <a:rPr lang="en-US" dirty="0" smtClean="0"/>
-              <a:t>Tag and filter based on parts of speech</a:t>
-            </a:r>
-          </a:p>
-          <a:p>
-            <a:pPr algn="l"/>
-            <a:r>
-              <a:rPr lang="en-US" dirty="0" smtClean="0"/>
-              <a:t>Stem words</a:t>
+            <a:r>
+              <a:rPr lang="en-US" sz="1050" dirty="0" smtClean="0"/>
+              <a:t>Size corresponds to number of reviews.</a:t>
             </a:r>
           </a:p>
         </p:txBody>
       </p:sp>
       <p:pic>
         <p:nvPicPr>
-          <p:cNvPr id="2" name="Picture 1" descr="Screen Shot 2015-10-07 at 12.25.38 AM.png"/>
+          <p:cNvPr id="21" name="Picture 20" descr="Screen Shot 2015-10-19 at 12.41.29 AM.png"/>
           <p:cNvPicPr>
             <a:picLocks noChangeAspect="1"/>
           </p:cNvPicPr>
@@ -4137,18 +7198,208 @@
         </p:blipFill>
         <p:spPr>
           <a:xfrm>
-            <a:off x="415637" y="992767"/>
-            <a:ext cx="8312727" cy="2692345"/>
+            <a:off x="-20650" y="0"/>
+            <a:ext cx="6343651" cy="6858000"/>
           </a:xfrm>
           <a:prstGeom prst="rect">
             <a:avLst/>
           </a:prstGeom>
         </p:spPr>
       </p:pic>
+      <p:sp>
+        <p:nvSpPr>
+          <p:cNvPr id="22" name="Title 1"/>
+          <p:cNvSpPr txBox="1">
+            <a:spLocks/>
+          </p:cNvSpPr>
+          <p:nvPr/>
+        </p:nvSpPr>
+        <p:spPr>
+          <a:xfrm>
+            <a:off x="6419822" y="150392"/>
+            <a:ext cx="2724178" cy="632775"/>
+          </a:xfrm>
+          <a:prstGeom prst="rect">
+            <a:avLst/>
+          </a:prstGeom>
+        </p:spPr>
+        <p:txBody>
+          <a:bodyPr vert="horz" lIns="91440" tIns="45720" rIns="91440" bIns="45720" rtlCol="0" anchor="ctr">
+            <a:noAutofit/>
+          </a:bodyPr>
+          <a:lstStyle>
+            <a:lvl1pPr algn="ctr" defTabSz="457200" rtl="0" eaLnBrk="1" latinLnBrk="0" hangingPunct="1">
+              <a:spcBef>
+                <a:spcPct val="0"/>
+              </a:spcBef>
+              <a:buNone/>
+              <a:defRPr sz="4400" kern="1200">
+                <a:solidFill>
+                  <a:schemeClr val="tx1"/>
+                </a:solidFill>
+                <a:latin typeface="+mj-lt"/>
+                <a:ea typeface="+mj-ea"/>
+                <a:cs typeface="+mj-cs"/>
+              </a:defRPr>
+            </a:lvl1pPr>
+          </a:lstStyle>
+          <a:p>
+            <a:pPr algn="l"/>
+            <a:r>
+              <a:rPr lang="en-US" sz="3200" dirty="0" smtClean="0">
+                <a:latin typeface="Helvetica"/>
+                <a:cs typeface="Helvetica"/>
+              </a:rPr>
+              <a:t>Usefulness</a:t>
+            </a:r>
+            <a:endParaRPr lang="en-US" sz="3200" dirty="0">
+              <a:latin typeface="Helvetica"/>
+              <a:cs typeface="Helvetica"/>
+            </a:endParaRPr>
+          </a:p>
+        </p:txBody>
+      </p:sp>
+      <p:sp>
+        <p:nvSpPr>
+          <p:cNvPr id="23" name="TextBox 22"/>
+          <p:cNvSpPr txBox="1"/>
+          <p:nvPr/>
+        </p:nvSpPr>
+        <p:spPr>
+          <a:xfrm>
+            <a:off x="6507680" y="779963"/>
+            <a:ext cx="1938098" cy="900246"/>
+          </a:xfrm>
+          <a:prstGeom prst="rect">
+            <a:avLst/>
+          </a:prstGeom>
+          <a:noFill/>
+        </p:spPr>
+        <p:txBody>
+          <a:bodyPr wrap="square" rtlCol="0">
+            <a:spAutoFit/>
+          </a:bodyPr>
+          <a:lstStyle/>
+          <a:p>
+            <a:r>
+              <a:rPr lang="en-US" sz="1050" dirty="0" smtClean="0"/>
+              <a:t>Each node in the treemap corresponds to a review. The size is proportional to the number of usefulness votes received.</a:t>
+            </a:r>
+          </a:p>
+        </p:txBody>
+      </p:sp>
+      <p:pic>
+        <p:nvPicPr>
+          <p:cNvPr id="24" name="Picture 23" descr="Screen Shot 2015-10-19 at 12.44.25 AM.png"/>
+          <p:cNvPicPr>
+            <a:picLocks noChangeAspect="1"/>
+          </p:cNvPicPr>
+          <p:nvPr/>
+        </p:nvPicPr>
+        <p:blipFill>
+          <a:blip r:embed="rId3">
+            <a:extLst>
+              <a:ext uri="{28A0092B-C50C-407E-A947-70E740481C1C}">
+                <a14:useLocalDpi xmlns:a14="http://schemas.microsoft.com/office/drawing/2010/main" val="0"/>
+              </a:ext>
+            </a:extLst>
+          </a:blip>
+          <a:stretch>
+            <a:fillRect/>
+          </a:stretch>
+        </p:blipFill>
+        <p:spPr>
+          <a:xfrm>
+            <a:off x="6507680" y="5509324"/>
+            <a:ext cx="254000" cy="1257300"/>
+          </a:xfrm>
+          <a:prstGeom prst="rect">
+            <a:avLst/>
+          </a:prstGeom>
+        </p:spPr>
+      </p:pic>
+      <p:sp>
+        <p:nvSpPr>
+          <p:cNvPr id="25" name="TextBox 24"/>
+          <p:cNvSpPr txBox="1"/>
+          <p:nvPr/>
+        </p:nvSpPr>
+        <p:spPr>
+          <a:xfrm>
+            <a:off x="6763328" y="5426732"/>
+            <a:ext cx="732558" cy="1368836"/>
+          </a:xfrm>
+          <a:prstGeom prst="rect">
+            <a:avLst/>
+          </a:prstGeom>
+          <a:noFill/>
+        </p:spPr>
+        <p:txBody>
+          <a:bodyPr wrap="square" rtlCol="0">
+            <a:spAutoFit/>
+          </a:bodyPr>
+          <a:lstStyle/>
+          <a:p>
+            <a:pPr>
+              <a:lnSpc>
+                <a:spcPct val="160000"/>
+              </a:lnSpc>
+            </a:pPr>
+            <a:r>
+              <a:rPr lang="en-US" sz="1050" dirty="0" smtClean="0"/>
+              <a:t>5 Stars</a:t>
+            </a:r>
+          </a:p>
+          <a:p>
+            <a:pPr>
+              <a:lnSpc>
+                <a:spcPct val="160000"/>
+              </a:lnSpc>
+            </a:pPr>
+            <a:r>
+              <a:rPr lang="en-US" sz="1050" dirty="0" smtClean="0"/>
+              <a:t>4 Stars</a:t>
+            </a:r>
+          </a:p>
+          <a:p>
+            <a:pPr>
+              <a:lnSpc>
+                <a:spcPct val="160000"/>
+              </a:lnSpc>
+            </a:pPr>
+            <a:r>
+              <a:rPr lang="en-US" sz="1050" dirty="0" smtClean="0"/>
+              <a:t>3 Stars</a:t>
+            </a:r>
+          </a:p>
+          <a:p>
+            <a:pPr>
+              <a:lnSpc>
+                <a:spcPct val="160000"/>
+              </a:lnSpc>
+            </a:pPr>
+            <a:r>
+              <a:rPr lang="en-US" sz="1050" dirty="0" smtClean="0"/>
+              <a:t>2 Stars</a:t>
+            </a:r>
+          </a:p>
+          <a:p>
+            <a:pPr>
+              <a:lnSpc>
+                <a:spcPct val="160000"/>
+              </a:lnSpc>
+            </a:pPr>
+            <a:r>
+              <a:rPr lang="en-US" sz="1050" dirty="0" smtClean="0"/>
+              <a:t>1 Star</a:t>
+            </a:r>
+          </a:p>
+        </p:txBody>
+      </p:sp>
     </p:spTree>
     <p:extLst>
       <p:ext uri="{BB962C8B-B14F-4D97-AF65-F5344CB8AC3E}">
-        <p14:creationId xmlns:p14="http://schemas.microsoft.com/office/powerpoint/2010/main" val="2886558819"/>
+        <p14:creationId xmlns:p14="http://schemas.microsoft.com/office/powerpoint/2010/main" val="321324310"/>
       </p:ext>
     </p:extLst>
   </p:cSld>
@@ -4184,46 +7435,51 @@
       </p:grpSpPr>
       <p:sp>
         <p:nvSpPr>
-          <p:cNvPr id="2" name="Title 1"/>
-          <p:cNvSpPr>
-            <a:spLocks noGrp="1"/>
-          </p:cNvSpPr>
-          <p:nvPr>
-            <p:ph type="ctrTitle"/>
-          </p:nvPr>
+          <p:cNvPr id="22" name="Title 1"/>
+          <p:cNvSpPr txBox="1">
+            <a:spLocks/>
+          </p:cNvSpPr>
+          <p:nvPr/>
         </p:nvSpPr>
         <p:spPr>
           <a:xfrm>
-            <a:off x="685800" y="2130425"/>
-            <a:ext cx="7772400" cy="1470025"/>
-          </a:xfrm>
-        </p:spPr>
-        <p:txBody>
-          <a:bodyPr/>
-          <a:lstStyle/>
-          <a:p>
-            <a:r>
-              <a:rPr lang="en-US" dirty="0" smtClean="0">
-                <a:latin typeface="Helvetica"/>
-                <a:cs typeface="Helvetica"/>
-              </a:rPr>
-              <a:t>Some customer feedback is more </a:t>
-            </a:r>
-            <a:r>
-              <a:rPr lang="en-US" b="1" dirty="0" smtClean="0">
-                <a:latin typeface="Helvetica"/>
-                <a:cs typeface="Helvetica"/>
-              </a:rPr>
-              <a:t>frequent</a:t>
-            </a:r>
-            <a:r>
-              <a:rPr lang="en-US" dirty="0" smtClean="0">
-                <a:latin typeface="Helvetica"/>
-                <a:cs typeface="Helvetica"/>
-              </a:rPr>
-              <a:t> than others.</a:t>
-            </a:r>
-            <a:endParaRPr lang="en-US" dirty="0">
+            <a:off x="6419822" y="150392"/>
+            <a:ext cx="2724178" cy="632775"/>
+          </a:xfrm>
+          <a:prstGeom prst="rect">
+            <a:avLst/>
+          </a:prstGeom>
+        </p:spPr>
+        <p:txBody>
+          <a:bodyPr vert="horz" lIns="91440" tIns="45720" rIns="91440" bIns="45720" rtlCol="0" anchor="ctr">
+            <a:noAutofit/>
+          </a:bodyPr>
+          <a:lstStyle>
+            <a:lvl1pPr algn="ctr" defTabSz="457200" rtl="0" eaLnBrk="1" latinLnBrk="0" hangingPunct="1">
+              <a:spcBef>
+                <a:spcPct val="0"/>
+              </a:spcBef>
+              <a:buNone/>
+              <a:defRPr sz="4400" kern="1200">
+                <a:solidFill>
+                  <a:schemeClr val="tx1"/>
+                </a:solidFill>
+                <a:latin typeface="+mj-lt"/>
+                <a:ea typeface="+mj-ea"/>
+                <a:cs typeface="+mj-cs"/>
+              </a:defRPr>
+            </a:lvl1pPr>
+          </a:lstStyle>
+          <a:p>
+            <a:pPr algn="l"/>
+            <a:r>
+              <a:rPr lang="en-US" sz="3200" dirty="0" smtClean="0">
+                <a:latin typeface="Helvetica"/>
+                <a:cs typeface="Helvetica"/>
+              </a:rPr>
+              <a:t>Usefulness</a:t>
+            </a:r>
+            <a:endParaRPr lang="en-US" sz="3200" dirty="0">
               <a:latin typeface="Helvetica"/>
               <a:cs typeface="Helvetica"/>
             </a:endParaRPr>
@@ -4232,31 +7488,175 @@
       </p:sp>
       <p:sp>
         <p:nvSpPr>
-          <p:cNvPr id="4" name="Subtitle 3"/>
-          <p:cNvSpPr>
-            <a:spLocks noGrp="1"/>
-          </p:cNvSpPr>
-          <p:nvPr>
-            <p:ph type="subTitle" idx="1"/>
-          </p:nvPr>
-        </p:nvSpPr>
-        <p:spPr/>
-        <p:txBody>
-          <a:bodyPr/>
-          <a:lstStyle/>
-          <a:p>
-            <a:r>
-              <a:rPr lang="en-US" dirty="0" smtClean="0"/>
-              <a:t>Topic Modeling</a:t>
-            </a:r>
-            <a:endParaRPr lang="en-US" dirty="0"/>
+          <p:cNvPr id="23" name="TextBox 22"/>
+          <p:cNvSpPr txBox="1"/>
+          <p:nvPr/>
+        </p:nvSpPr>
+        <p:spPr>
+          <a:xfrm>
+            <a:off x="6507680" y="779963"/>
+            <a:ext cx="1938098" cy="900246"/>
+          </a:xfrm>
+          <a:prstGeom prst="rect">
+            <a:avLst/>
+          </a:prstGeom>
+          <a:noFill/>
+        </p:spPr>
+        <p:txBody>
+          <a:bodyPr wrap="square" rtlCol="0">
+            <a:spAutoFit/>
+          </a:bodyPr>
+          <a:lstStyle/>
+          <a:p>
+            <a:r>
+              <a:rPr lang="en-US" sz="1050" dirty="0" smtClean="0"/>
+              <a:t>Each node in the treemap corresponds to a review. The size is proportional to the number of usefulness votes received.</a:t>
+            </a:r>
+          </a:p>
+        </p:txBody>
+      </p:sp>
+      <p:pic>
+        <p:nvPicPr>
+          <p:cNvPr id="2" name="Picture 1" descr="Screen Shot 2015-10-19 at 12.45.21 AM.png"/>
+          <p:cNvPicPr>
+            <a:picLocks noChangeAspect="1"/>
+          </p:cNvPicPr>
+          <p:nvPr/>
+        </p:nvPicPr>
+        <p:blipFill>
+          <a:blip r:embed="rId2">
+            <a:extLst>
+              <a:ext uri="{28A0092B-C50C-407E-A947-70E740481C1C}">
+                <a14:useLocalDpi xmlns:a14="http://schemas.microsoft.com/office/drawing/2010/main" val="0"/>
+              </a:ext>
+            </a:extLst>
+          </a:blip>
+          <a:stretch>
+            <a:fillRect/>
+          </a:stretch>
+        </p:blipFill>
+        <p:spPr>
+          <a:xfrm>
+            <a:off x="0" y="0"/>
+            <a:ext cx="6363821" cy="6858000"/>
+          </a:xfrm>
+          <a:prstGeom prst="rect">
+            <a:avLst/>
+          </a:prstGeom>
+        </p:spPr>
+      </p:pic>
+      <p:pic>
+        <p:nvPicPr>
+          <p:cNvPr id="7" name="Picture 6" descr="Screen Shot 2015-10-19 at 12.44.25 AM.png"/>
+          <p:cNvPicPr>
+            <a:picLocks noChangeAspect="1"/>
+          </p:cNvPicPr>
+          <p:nvPr/>
+        </p:nvPicPr>
+        <p:blipFill>
+          <a:blip r:embed="rId3">
+            <a:extLst>
+              <a:ext uri="{28A0092B-C50C-407E-A947-70E740481C1C}">
+                <a14:useLocalDpi xmlns:a14="http://schemas.microsoft.com/office/drawing/2010/main" val="0"/>
+              </a:ext>
+            </a:extLst>
+          </a:blip>
+          <a:stretch>
+            <a:fillRect/>
+          </a:stretch>
+        </p:blipFill>
+        <p:spPr>
+          <a:xfrm>
+            <a:off x="6507680" y="5509324"/>
+            <a:ext cx="254000" cy="1257300"/>
+          </a:xfrm>
+          <a:prstGeom prst="rect">
+            <a:avLst/>
+          </a:prstGeom>
+        </p:spPr>
+      </p:pic>
+      <p:sp>
+        <p:nvSpPr>
+          <p:cNvPr id="8" name="TextBox 7"/>
+          <p:cNvSpPr txBox="1"/>
+          <p:nvPr/>
+        </p:nvSpPr>
+        <p:spPr>
+          <a:xfrm>
+            <a:off x="6763328" y="5426732"/>
+            <a:ext cx="732558" cy="1368836"/>
+          </a:xfrm>
+          <a:prstGeom prst="rect">
+            <a:avLst/>
+          </a:prstGeom>
+          <a:noFill/>
+        </p:spPr>
+        <p:txBody>
+          <a:bodyPr wrap="square" rtlCol="0">
+            <a:spAutoFit/>
+          </a:bodyPr>
+          <a:lstStyle/>
+          <a:p>
+            <a:pPr>
+              <a:lnSpc>
+                <a:spcPct val="160000"/>
+              </a:lnSpc>
+            </a:pPr>
+            <a:r>
+              <a:rPr lang="en-US" sz="1050" dirty="0" smtClean="0"/>
+              <a:t>5 Stars</a:t>
+            </a:r>
+          </a:p>
+          <a:p>
+            <a:pPr>
+              <a:lnSpc>
+                <a:spcPct val="160000"/>
+              </a:lnSpc>
+            </a:pPr>
+            <a:r>
+              <a:rPr lang="en-US" sz="1050" dirty="0" smtClean="0"/>
+              <a:t>4 Stars</a:t>
+            </a:r>
+          </a:p>
+          <a:p>
+            <a:pPr>
+              <a:lnSpc>
+                <a:spcPct val="160000"/>
+              </a:lnSpc>
+            </a:pPr>
+            <a:r>
+              <a:rPr lang="en-US" sz="1050" dirty="0" smtClean="0"/>
+              <a:t>3 Stars</a:t>
+            </a:r>
+          </a:p>
+          <a:p>
+            <a:pPr>
+              <a:lnSpc>
+                <a:spcPct val="160000"/>
+              </a:lnSpc>
+            </a:pPr>
+            <a:r>
+              <a:rPr lang="en-US" sz="1050" dirty="0" smtClean="0"/>
+              <a:t>2 Stars</a:t>
+            </a:r>
+          </a:p>
+          <a:p>
+            <a:pPr>
+              <a:lnSpc>
+                <a:spcPct val="160000"/>
+              </a:lnSpc>
+            </a:pPr>
+            <a:r>
+              <a:rPr lang="en-US" sz="1050" dirty="0" smtClean="0"/>
+              <a:t>1 Star</a:t>
+            </a:r>
           </a:p>
         </p:txBody>
       </p:sp>
     </p:spTree>
     <p:extLst>
       <p:ext uri="{BB962C8B-B14F-4D97-AF65-F5344CB8AC3E}">
-        <p14:creationId xmlns:p14="http://schemas.microsoft.com/office/powerpoint/2010/main" val="574159444"/>
+        <p14:creationId xmlns:p14="http://schemas.microsoft.com/office/powerpoint/2010/main" val="2703898427"/>
       </p:ext>
     </p:extLst>
   </p:cSld>
@@ -4292,49 +7692,73 @@
       </p:grpSpPr>
       <p:sp>
         <p:nvSpPr>
-          <p:cNvPr id="4" name="Subtitle 3"/>
-          <p:cNvSpPr>
-            <a:spLocks noGrp="1"/>
-          </p:cNvSpPr>
-          <p:nvPr>
-            <p:ph type="subTitle" idx="1"/>
-          </p:nvPr>
-        </p:nvSpPr>
-        <p:spPr/>
+          <p:cNvPr id="2" name="Title 1"/>
+          <p:cNvSpPr>
+            <a:spLocks noGrp="1"/>
+          </p:cNvSpPr>
+          <p:nvPr>
+            <p:ph type="ctrTitle"/>
+          </p:nvPr>
+        </p:nvSpPr>
+        <p:spPr>
+          <a:xfrm>
+            <a:off x="685800" y="2501867"/>
+            <a:ext cx="7772400" cy="1470025"/>
+          </a:xfrm>
+        </p:spPr>
         <p:txBody>
           <a:bodyPr>
-            <a:normAutofit fontScale="77500" lnSpcReduction="20000"/>
+            <a:normAutofit/>
           </a:bodyPr>
           <a:lstStyle/>
           <a:p>
             <a:pPr algn="l"/>
             <a:r>
-              <a:rPr lang="en-US" dirty="0" smtClean="0"/>
-              <a:t>Chart: Scatter Grid of Topics and Words</a:t>
-            </a:r>
-          </a:p>
-          <a:p>
-            <a:pPr algn="l"/>
-            <a:endParaRPr lang="en-US" dirty="0" smtClean="0"/>
-          </a:p>
-          <a:p>
-            <a:pPr algn="l"/>
-            <a:r>
-              <a:rPr lang="en-US" dirty="0" smtClean="0"/>
-              <a:t>Usage: Understand ratings associated with </a:t>
-            </a:r>
-            <a:r>
-              <a:rPr lang="en-US" dirty="0" smtClean="0"/>
-              <a:t>customer service, coffee, and atmosphere</a:t>
-            </a:r>
-            <a:endParaRPr lang="en-US" dirty="0" smtClean="0"/>
+              <a:rPr lang="en-US" dirty="0">
+                <a:latin typeface="Helvetica"/>
+                <a:cs typeface="Helvetica"/>
+              </a:rPr>
+              <a:t>Some customer </a:t>
+            </a:r>
+            <a:r>
+              <a:rPr lang="en-US" dirty="0" smtClean="0">
+                <a:latin typeface="Helvetica"/>
+                <a:cs typeface="Helvetica"/>
+              </a:rPr>
+              <a:t>complaints are </a:t>
+            </a:r>
+            <a:r>
+              <a:rPr lang="en-US" dirty="0">
+                <a:latin typeface="Helvetica"/>
+                <a:cs typeface="Helvetica"/>
+              </a:rPr>
+              <a:t>more </a:t>
+            </a:r>
+            <a:r>
+              <a:rPr lang="en-US" b="1" dirty="0">
+                <a:latin typeface="Helvetica"/>
+                <a:cs typeface="Helvetica"/>
+              </a:rPr>
+              <a:t>frequent</a:t>
+            </a:r>
+            <a:r>
+              <a:rPr lang="en-US" dirty="0">
+                <a:latin typeface="Helvetica"/>
+                <a:cs typeface="Helvetica"/>
+              </a:rPr>
+              <a:t> than others</a:t>
+            </a:r>
+            <a:endParaRPr lang="en-US" dirty="0">
+              <a:latin typeface="Helvetica"/>
+              <a:cs typeface="Helvetica"/>
+            </a:endParaRPr>
           </a:p>
         </p:txBody>
       </p:sp>
     </p:spTree>
     <p:extLst>
       <p:ext uri="{BB962C8B-B14F-4D97-AF65-F5344CB8AC3E}">
-        <p14:creationId xmlns:p14="http://schemas.microsoft.com/office/powerpoint/2010/main" val="2804893460"/>
+        <p14:creationId xmlns:p14="http://schemas.microsoft.com/office/powerpoint/2010/main" val="1765876058"/>
       </p:ext>
     </p:extLst>
   </p:cSld>
@@ -4667,4 +8091,324 @@
   </a:objectDefaults>
   <a:extraClrSchemeLst/>
 </a:theme>
+</file>
+
+<file path=ppt/theme/theme2.xml><?xml version="1.0" encoding="utf-8"?>
+<a:theme xmlns:a="http://schemas.openxmlformats.org/drawingml/2006/main" name="Office Theme">
+  <a:themeElements>
+    <a:clrScheme name="Office">
+      <a:dk1>
+        <a:sysClr val="windowText" lastClr="000000"/>
+      </a:dk1>
+      <a:lt1>
+        <a:sysClr val="window" lastClr="FFFFFF"/>
+      </a:lt1>
+      <a:dk2>
+        <a:srgbClr val="1F497D"/>
+      </a:dk2>
+      <a:lt2>
+        <a:srgbClr val="EEECE1"/>
+      </a:lt2>
+      <a:accent1>
+        <a:srgbClr val="4F81BD"/>
+      </a:accent1>
+      <a:accent2>
+        <a:srgbClr val="C0504D"/>
+      </a:accent2>
+      <a:accent3>
+        <a:srgbClr val="9BBB59"/>
+      </a:accent3>
+      <a:accent4>
+        <a:srgbClr val="8064A2"/>
+      </a:accent4>
+      <a:accent5>
+        <a:srgbClr val="4BACC6"/>
+      </a:accent5>
+      <a:accent6>
+        <a:srgbClr val="F79646"/>
+      </a:accent6>
+      <a:hlink>
+        <a:srgbClr val="0000FF"/>
+      </a:hlink>
+      <a:folHlink>
+        <a:srgbClr val="800080"/>
+      </a:folHlink>
+    </a:clrScheme>
+    <a:fontScheme name="Office">
+      <a:majorFont>
+        <a:latin typeface="Calibri"/>
+        <a:ea typeface=""/>
+        <a:cs typeface=""/>
+        <a:font script="Jpan" typeface="ＭＳ Ｐゴシック"/>
+        <a:font script="Hang" typeface="맑은 고딕"/>
+        <a:font script="Hans" typeface="宋体"/>
+        <a:font script="Hant" typeface="新細明體"/>
+        <a:font script="Arab" typeface="Times New Roman"/>
+        <a:font script="Hebr" typeface="Times New Roman"/>
+        <a:font script="Thai" typeface="Angsana New"/>
+        <a:font script="Ethi" typeface="Nyala"/>
+        <a:font script="Beng" typeface="Vrinda"/>
+        <a:font script="Gujr" typeface="Shruti"/>
+        <a:font script="Khmr" typeface="MoolBoran"/>
+        <a:font script="Knda" typeface="Tunga"/>
+        <a:font script="Guru" typeface="Raavi"/>
+        <a:font script="Cans" typeface="Euphemia"/>
+        <a:font script="Cher" typeface="Plantagenet Cherokee"/>
+        <a:font script="Yiii" typeface="Microsoft Yi Baiti"/>
+        <a:font script="Tibt" typeface="Microsoft Himalaya"/>
+        <a:font script="Thaa" typeface="MV Boli"/>
+        <a:font script="Deva" typeface="Mangal"/>
+        <a:font script="Telu" typeface="Gautami"/>
+        <a:font script="Taml" typeface="Latha"/>
+        <a:font script="Syrc" typeface="Estrangelo Edessa"/>
+        <a:font script="Orya" typeface="Kalinga"/>
+        <a:font script="Mlym" typeface="Kartika"/>
+        <a:font script="Laoo" typeface="DokChampa"/>
+        <a:font script="Sinh" typeface="Iskoola Pota"/>
+        <a:font script="Mong" typeface="Mongolian Baiti"/>
+        <a:font script="Viet" typeface="Times New Roman"/>
+        <a:font script="Uigh" typeface="Microsoft Uighur"/>
+        <a:font script="Geor" typeface="Sylfaen"/>
+      </a:majorFont>
+      <a:minorFont>
+        <a:latin typeface="Calibri"/>
+        <a:ea typeface=""/>
+        <a:cs typeface=""/>
+        <a:font script="Jpan" typeface="ＭＳ Ｐゴシック"/>
+        <a:font script="Hang" typeface="맑은 고딕"/>
+        <a:font script="Hans" typeface="宋体"/>
+        <a:font script="Hant" typeface="新細明體"/>
+        <a:font script="Arab" typeface="Arial"/>
+        <a:font script="Hebr" typeface="Arial"/>
+        <a:font script="Thai" typeface="Cordia New"/>
+        <a:font script="Ethi" typeface="Nyala"/>
+        <a:font script="Beng" typeface="Vrinda"/>
+        <a:font script="Gujr" typeface="Shruti"/>
+        <a:font script="Khmr" typeface="DaunPenh"/>
+        <a:font script="Knda" typeface="Tunga"/>
+        <a:font script="Guru" typeface="Raavi"/>
+        <a:font script="Cans" typeface="Euphemia"/>
+        <a:font script="Cher" typeface="Plantagenet Cherokee"/>
+        <a:font script="Yiii" typeface="Microsoft Yi Baiti"/>
+        <a:font script="Tibt" typeface="Microsoft Himalaya"/>
+        <a:font script="Thaa" typeface="MV Boli"/>
+        <a:font script="Deva" typeface="Mangal"/>
+        <a:font script="Telu" typeface="Gautami"/>
+        <a:font script="Taml" typeface="Latha"/>
+        <a:font script="Syrc" typeface="Estrangelo Edessa"/>
+        <a:font script="Orya" typeface="Kalinga"/>
+        <a:font script="Mlym" typeface="Kartika"/>
+        <a:font script="Laoo" typeface="DokChampa"/>
+        <a:font script="Sinh" typeface="Iskoola Pota"/>
+        <a:font script="Mong" typeface="Mongolian Baiti"/>
+        <a:font script="Viet" typeface="Arial"/>
+        <a:font script="Uigh" typeface="Microsoft Uighur"/>
+        <a:font script="Geor" typeface="Sylfaen"/>
+      </a:minorFont>
+    </a:fontScheme>
+    <a:fmtScheme name="Office">
+      <a:fillStyleLst>
+        <a:solidFill>
+          <a:schemeClr val="phClr"/>
+        </a:solidFill>
+        <a:gradFill rotWithShape="1">
+          <a:gsLst>
+            <a:gs pos="0">
+              <a:schemeClr val="phClr">
+                <a:tint val="50000"/>
+                <a:satMod val="300000"/>
+              </a:schemeClr>
+            </a:gs>
+            <a:gs pos="35000">
+              <a:schemeClr val="phClr">
+                <a:tint val="37000"/>
+                <a:satMod val="300000"/>
+              </a:schemeClr>
+            </a:gs>
+            <a:gs pos="100000">
+              <a:schemeClr val="phClr">
+                <a:tint val="15000"/>
+                <a:satMod val="350000"/>
+              </a:schemeClr>
+            </a:gs>
+          </a:gsLst>
+          <a:lin ang="16200000" scaled="1"/>
+        </a:gradFill>
+        <a:gradFill rotWithShape="1">
+          <a:gsLst>
+            <a:gs pos="0">
+              <a:schemeClr val="phClr">
+                <a:tint val="100000"/>
+                <a:shade val="100000"/>
+                <a:satMod val="130000"/>
+              </a:schemeClr>
+            </a:gs>
+            <a:gs pos="100000">
+              <a:schemeClr val="phClr">
+                <a:tint val="50000"/>
+                <a:shade val="100000"/>
+                <a:satMod val="350000"/>
+              </a:schemeClr>
+            </a:gs>
+          </a:gsLst>
+          <a:lin ang="16200000" scaled="0"/>
+        </a:gradFill>
+      </a:fillStyleLst>
+      <a:lnStyleLst>
+        <a:ln w="9525" cap="flat" cmpd="sng" algn="ctr">
+          <a:solidFill>
+            <a:schemeClr val="phClr">
+              <a:shade val="95000"/>
+              <a:satMod val="105000"/>
+            </a:schemeClr>
+          </a:solidFill>
+          <a:prstDash val="solid"/>
+        </a:ln>
+        <a:ln w="25400" cap="flat" cmpd="sng" algn="ctr">
+          <a:solidFill>
+            <a:schemeClr val="phClr"/>
+          </a:solidFill>
+          <a:prstDash val="solid"/>
+        </a:ln>
+        <a:ln w="38100" cap="flat" cmpd="sng" algn="ctr">
+          <a:solidFill>
+            <a:schemeClr val="phClr"/>
+          </a:solidFill>
+          <a:prstDash val="solid"/>
+        </a:ln>
+      </a:lnStyleLst>
+      <a:effectStyleLst>
+        <a:effectStyle>
+          <a:effectLst>
+            <a:outerShdw blurRad="40000" dist="20000" dir="5400000" rotWithShape="0">
+              <a:srgbClr val="000000">
+                <a:alpha val="38000"/>
+              </a:srgbClr>
+            </a:outerShdw>
+          </a:effectLst>
+        </a:effectStyle>
+        <a:effectStyle>
+          <a:effectLst>
+            <a:outerShdw blurRad="40000" dist="23000" dir="5400000" rotWithShape="0">
+              <a:srgbClr val="000000">
+                <a:alpha val="35000"/>
+              </a:srgbClr>
+            </a:outerShdw>
+          </a:effectLst>
+        </a:effectStyle>
+        <a:effectStyle>
+          <a:effectLst>
+            <a:outerShdw blurRad="40000" dist="23000" dir="5400000" rotWithShape="0">
+              <a:srgbClr val="000000">
+                <a:alpha val="35000"/>
+              </a:srgbClr>
+            </a:outerShdw>
+          </a:effectLst>
+          <a:scene3d>
+            <a:camera prst="orthographicFront">
+              <a:rot lat="0" lon="0" rev="0"/>
+            </a:camera>
+            <a:lightRig rig="threePt" dir="t">
+              <a:rot lat="0" lon="0" rev="1200000"/>
+            </a:lightRig>
+          </a:scene3d>
+          <a:sp3d>
+            <a:bevelT w="63500" h="25400"/>
+          </a:sp3d>
+        </a:effectStyle>
+      </a:effectStyleLst>
+      <a:bgFillStyleLst>
+        <a:solidFill>
+          <a:schemeClr val="phClr"/>
+        </a:solidFill>
+        <a:gradFill rotWithShape="1">
+          <a:gsLst>
+            <a:gs pos="0">
+              <a:schemeClr val="phClr">
+                <a:tint val="40000"/>
+                <a:satMod val="350000"/>
+              </a:schemeClr>
+            </a:gs>
+            <a:gs pos="40000">
+              <a:schemeClr val="phClr">
+                <a:tint val="45000"/>
+                <a:shade val="99000"/>
+                <a:satMod val="350000"/>
+              </a:schemeClr>
+            </a:gs>
+            <a:gs pos="100000">
+              <a:schemeClr val="phClr">
+                <a:shade val="20000"/>
+                <a:satMod val="255000"/>
+              </a:schemeClr>
+            </a:gs>
+          </a:gsLst>
+          <a:path path="circle">
+            <a:fillToRect l="50000" t="-80000" r="50000" b="180000"/>
+          </a:path>
+        </a:gradFill>
+        <a:gradFill rotWithShape="1">
+          <a:gsLst>
+            <a:gs pos="0">
+              <a:schemeClr val="phClr">
+                <a:tint val="80000"/>
+                <a:satMod val="300000"/>
+              </a:schemeClr>
+            </a:gs>
+            <a:gs pos="100000">
+              <a:schemeClr val="phClr">
+                <a:shade val="30000"/>
+                <a:satMod val="200000"/>
+              </a:schemeClr>
+            </a:gs>
+          </a:gsLst>
+          <a:path path="circle">
+            <a:fillToRect l="50000" t="50000" r="50000" b="50000"/>
+          </a:path>
+        </a:gradFill>
+      </a:bgFillStyleLst>
+    </a:fmtScheme>
+  </a:themeElements>
+  <a:objectDefaults>
+    <a:spDef>
+      <a:spPr/>
+      <a:bodyPr/>
+      <a:lstStyle/>
+      <a:style>
+        <a:lnRef idx="1">
+          <a:schemeClr val="accent1"/>
+        </a:lnRef>
+        <a:fillRef idx="3">
+          <a:schemeClr val="accent1"/>
+        </a:fillRef>
+        <a:effectRef idx="2">
+          <a:schemeClr val="accent1"/>
+        </a:effectRef>
+        <a:fontRef idx="minor">
+          <a:schemeClr val="lt1"/>
+        </a:fontRef>
+      </a:style>
+    </a:spDef>
+    <a:lnDef>
+      <a:spPr/>
+      <a:bodyPr/>
+      <a:lstStyle/>
+      <a:style>
+        <a:lnRef idx="2">
+          <a:schemeClr val="accent1"/>
+        </a:lnRef>
+        <a:fillRef idx="0">
+          <a:schemeClr val="accent1"/>
+        </a:fillRef>
+        <a:effectRef idx="1">
+          <a:schemeClr val="accent1"/>
+        </a:effectRef>
+        <a:fontRef idx="minor">
+          <a:schemeClr val="tx1"/>
+        </a:fontRef>
+      </a:style>
+    </a:lnDef>
+  </a:objectDefaults>
+  <a:extraClrSchemeLst/>
+</a:theme>
 </file>